--- a/logos/20150116-logo.pptx
+++ b/logos/20150116-logo.pptx
@@ -206,7 +206,7 @@
           <a:p>
             <a:fld id="{55397277-360A-454E-9892-8B140B67D61E}" type="datetimeFigureOut">
               <a:rPr kumimoji="1" lang="ja-JP" altLang="en-US" smtClean="0"/>
-              <a:t>1/22/15</a:t>
+              <a:t>1/23/15</a:t>
             </a:fld>
             <a:endParaRPr kumimoji="1" lang="ja-JP" altLang="en-US"/>
           </a:p>
@@ -372,7 +372,7 @@
           <a:p>
             <a:fld id="{4A7A5A0B-5B1E-E646-883E-67C7714E0911}" type="datetimeFigureOut">
               <a:rPr kumimoji="1" lang="ja-JP" altLang="en-US" smtClean="0"/>
-              <a:t>1/22/15</a:t>
+              <a:t>1/23/15</a:t>
             </a:fld>
             <a:endParaRPr kumimoji="1" lang="ja-JP" altLang="en-US"/>
           </a:p>
@@ -6830,6 +6830,56 @@
               <a:latin typeface="Impact"/>
               <a:cs typeface="Impact"/>
             </a:endParaRPr>
+          </a:p>
+        </p:txBody>
+      </p:sp>
+      <p:sp>
+        <p:nvSpPr>
+          <p:cNvPr id="12" name="円/楕円 11"/>
+          <p:cNvSpPr/>
+          <p:nvPr/>
+        </p:nvSpPr>
+        <p:spPr>
+          <a:xfrm>
+            <a:off x="4153074" y="1164437"/>
+            <a:ext cx="522507" cy="522507"/>
+          </a:xfrm>
+          <a:prstGeom prst="ellipse">
+            <a:avLst/>
+          </a:prstGeom>
+          <a:solidFill>
+            <a:srgbClr val="FB0006"/>
+          </a:solidFill>
+          <a:ln>
+            <a:noFill/>
+          </a:ln>
+          <a:effectLst/>
+        </p:spPr>
+        <p:style>
+          <a:lnRef idx="1">
+            <a:schemeClr val="accent1"/>
+          </a:lnRef>
+          <a:fillRef idx="3">
+            <a:schemeClr val="accent1"/>
+          </a:fillRef>
+          <a:effectRef idx="2">
+            <a:schemeClr val="accent1"/>
+          </a:effectRef>
+          <a:fontRef idx="minor">
+            <a:schemeClr val="lt1"/>
+          </a:fontRef>
+        </p:style>
+        <p:txBody>
+          <a:bodyPr rot="0" spcFirstLastPara="0" vertOverflow="overflow" horzOverflow="overflow" vert="horz" wrap="square" lIns="91440" tIns="45720" rIns="91440" bIns="45720" numCol="1" spcCol="0" rtlCol="0" fromWordArt="0" anchor="ctr" anchorCtr="0" forceAA="0" compatLnSpc="1">
+            <a:prstTxWarp prst="textNoShape">
+              <a:avLst/>
+            </a:prstTxWarp>
+            <a:noAutofit/>
+          </a:bodyPr>
+          <a:lstStyle/>
+          <a:p>
+            <a:pPr algn="ctr"/>
+            <a:endParaRPr kumimoji="1" lang="ja-JP" altLang="en-US"/>
           </a:p>
         </p:txBody>
       </p:sp>

--- a/logos/20150116-logo.pptx
+++ b/logos/20150116-logo.pptx
@@ -7,10 +7,10 @@
     <p:sldMasterId id="2147483662" r:id="rId3"/>
   </p:sldMasterIdLst>
   <p:notesMasterIdLst>
-    <p:notesMasterId r:id="rId14"/>
+    <p:notesMasterId r:id="rId15"/>
   </p:notesMasterIdLst>
   <p:handoutMasterIdLst>
-    <p:handoutMasterId r:id="rId15"/>
+    <p:handoutMasterId r:id="rId16"/>
   </p:handoutMasterIdLst>
   <p:sldIdLst>
     <p:sldId id="256" r:id="rId4"/>
@@ -23,6 +23,7 @@
     <p:sldId id="265" r:id="rId11"/>
     <p:sldId id="263" r:id="rId12"/>
     <p:sldId id="262" r:id="rId13"/>
+    <p:sldId id="266" r:id="rId14"/>
   </p:sldIdLst>
   <p:sldSz cx="9144000" cy="6858000" type="screen4x3"/>
   <p:notesSz cx="6858000" cy="9144000"/>
@@ -121,6 +122,22 @@
       </a:defRPr>
     </a:lvl9pPr>
   </p:defaultTextStyle>
+  <p:extLst>
+    <p:ext uri="{EFAFB233-063F-42B5-8137-9DF3F51BA10A}">
+      <p15:sldGuideLst xmlns:p15="http://schemas.microsoft.com/office/powerpoint/2012/main">
+        <p15:guide id="1" orient="horz" pos="2160">
+          <p15:clr>
+            <a:srgbClr val="A4A3A4"/>
+          </p15:clr>
+        </p15:guide>
+        <p15:guide id="2" pos="2880">
+          <p15:clr>
+            <a:srgbClr val="A4A3A4"/>
+          </p15:clr>
+        </p15:guide>
+      </p15:sldGuideLst>
+    </p:ext>
+  </p:extLst>
 </p:presentation>
 </file>
 
@@ -206,7 +223,7 @@
           <a:p>
             <a:fld id="{55397277-360A-454E-9892-8B140B67D61E}" type="datetimeFigureOut">
               <a:rPr kumimoji="1" lang="ja-JP" altLang="en-US" smtClean="0"/>
-              <a:t>1/23/15</a:t>
+              <a:t>2016/12/10</a:t>
             </a:fld>
             <a:endParaRPr kumimoji="1" lang="ja-JP" altLang="en-US"/>
           </a:p>
@@ -372,7 +389,7 @@
           <a:p>
             <a:fld id="{4A7A5A0B-5B1E-E646-883E-67C7714E0911}" type="datetimeFigureOut">
               <a:rPr kumimoji="1" lang="ja-JP" altLang="en-US" smtClean="0"/>
-              <a:t>1/23/15</a:t>
+              <a:t>2016/12/10</a:t>
             </a:fld>
             <a:endParaRPr kumimoji="1" lang="ja-JP" altLang="en-US"/>
           </a:p>
@@ -1202,7 +1219,7 @@
   <p:timing>
     <p:tnLst>
       <p:par>
-        <p:cTn xmlns:p14="http://schemas.microsoft.com/office/powerpoint/2010/main" id="1" dur="indefinite" restart="never" nodeType="tmRoot"/>
+        <p:cTn id="1" dur="indefinite" restart="never" nodeType="tmRoot"/>
       </p:par>
     </p:tnLst>
   </p:timing>
@@ -1411,7 +1428,7 @@
           <a:noFill/>
           <a:extLst>
             <a:ext uri="{909E8E84-426E-40dd-AFC4-6F175D3DCCD1}">
-              <a14:hiddenFill xmlns:a14="http://schemas.microsoft.com/office/drawing/2010/main">
+              <a14:hiddenFill xmlns:a14="http://schemas.microsoft.com/office/drawing/2010/main" xmlns="">
                 <a:solidFill>
                   <a:srgbClr val="FFFFFF"/>
                 </a:solidFill>
@@ -1452,7 +1469,7 @@
           <a:noFill/>
           <a:extLst>
             <a:ext uri="{909E8E84-426E-40dd-AFC4-6F175D3DCCD1}">
-              <a14:hiddenFill xmlns:a14="http://schemas.microsoft.com/office/drawing/2010/main">
+              <a14:hiddenFill xmlns:a14="http://schemas.microsoft.com/office/drawing/2010/main" xmlns="">
                 <a:solidFill>
                   <a:srgbClr val="FFFFFF"/>
                 </a:solidFill>
@@ -1539,14 +1556,14 @@
           <a:effectLst/>
           <a:extLst>
             <a:ext uri="{909E8E84-426E-40dd-AFC4-6F175D3DCCD1}">
-              <a14:hiddenFill xmlns:a14="http://schemas.microsoft.com/office/drawing/2010/main">
+              <a14:hiddenFill xmlns:a14="http://schemas.microsoft.com/office/drawing/2010/main" xmlns="">
                 <a:solidFill>
                   <a:schemeClr val="accent1"/>
                 </a:solidFill>
               </a14:hiddenFill>
             </a:ext>
             <a:ext uri="{91240B29-F687-4f45-9708-019B960494DF}">
-              <a14:hiddenLine xmlns:a14="http://schemas.microsoft.com/office/drawing/2010/main" w="9525">
+              <a14:hiddenLine xmlns:a14="http://schemas.microsoft.com/office/drawing/2010/main" xmlns="" w="9525">
                 <a:solidFill>
                   <a:schemeClr val="tx1"/>
                 </a:solidFill>
@@ -1556,7 +1573,7 @@
               </a14:hiddenLine>
             </a:ext>
             <a:ext uri="{AF507438-7753-43e0-B8FC-AC1667EBCBE1}">
-              <a14:hiddenEffects xmlns:a14="http://schemas.microsoft.com/office/drawing/2010/main">
+              <a14:hiddenEffects xmlns:a14="http://schemas.microsoft.com/office/drawing/2010/main" xmlns="">
                 <a:effectLst>
                   <a:outerShdw dist="35921" dir="2700000" algn="ctr" rotWithShape="0">
                     <a:schemeClr val="bg2"/>
@@ -1580,7 +1597,7 @@
   <p:timing>
     <p:tnLst>
       <p:par>
-        <p:cTn xmlns:p14="http://schemas.microsoft.com/office/powerpoint/2010/main" id="1" dur="indefinite" restart="never" nodeType="tmRoot"/>
+        <p:cTn id="1" dur="indefinite" restart="never" nodeType="tmRoot"/>
       </p:par>
     </p:tnLst>
   </p:timing>
@@ -1636,7 +1653,7 @@
           <a:noFill/>
           <a:extLst>
             <a:ext uri="{909E8E84-426E-40dd-AFC4-6F175D3DCCD1}">
-              <a14:hiddenFill xmlns:a14="http://schemas.microsoft.com/office/drawing/2010/main">
+              <a14:hiddenFill xmlns:a14="http://schemas.microsoft.com/office/drawing/2010/main" xmlns="">
                 <a:solidFill>
                   <a:srgbClr val="FFFFFF"/>
                 </a:solidFill>
@@ -1931,14 +1948,14 @@
           <a:effectLst/>
           <a:extLst>
             <a:ext uri="{909E8E84-426E-40dd-AFC4-6F175D3DCCD1}">
-              <a14:hiddenFill xmlns:a14="http://schemas.microsoft.com/office/drawing/2010/main">
+              <a14:hiddenFill xmlns:a14="http://schemas.microsoft.com/office/drawing/2010/main" xmlns="">
                 <a:solidFill>
                   <a:schemeClr val="accent1"/>
                 </a:solidFill>
               </a14:hiddenFill>
             </a:ext>
             <a:ext uri="{91240B29-F687-4f45-9708-019B960494DF}">
-              <a14:hiddenLine xmlns:a14="http://schemas.microsoft.com/office/drawing/2010/main" w="9525">
+              <a14:hiddenLine xmlns:a14="http://schemas.microsoft.com/office/drawing/2010/main" xmlns="" w="9525">
                 <a:solidFill>
                   <a:schemeClr val="tx1"/>
                 </a:solidFill>
@@ -1948,7 +1965,7 @@
               </a14:hiddenLine>
             </a:ext>
             <a:ext uri="{AF507438-7753-43e0-B8FC-AC1667EBCBE1}">
-              <a14:hiddenEffects xmlns:a14="http://schemas.microsoft.com/office/drawing/2010/main">
+              <a14:hiddenEffects xmlns:a14="http://schemas.microsoft.com/office/drawing/2010/main" xmlns="">
                 <a:effectLst>
                   <a:outerShdw dist="35921" dir="2700000" algn="ctr" rotWithShape="0">
                     <a:schemeClr val="bg2"/>
@@ -1972,7 +1989,7 @@
   <p:timing>
     <p:tnLst>
       <p:par>
-        <p:cTn xmlns:p14="http://schemas.microsoft.com/office/powerpoint/2010/main" id="1" dur="indefinite" restart="never" nodeType="tmRoot"/>
+        <p:cTn id="1" dur="indefinite" restart="never" nodeType="tmRoot"/>
       </p:par>
     </p:tnLst>
   </p:timing>
@@ -2127,7 +2144,7 @@
   <p:timing>
     <p:tnLst>
       <p:par>
-        <p:cTn xmlns:p14="http://schemas.microsoft.com/office/powerpoint/2010/main" id="1" dur="indefinite" restart="never" nodeType="tmRoot"/>
+        <p:cTn id="1" dur="indefinite" restart="never" nodeType="tmRoot"/>
       </p:par>
     </p:tnLst>
   </p:timing>
@@ -4213,7 +4230,7 @@
           <a:noFill/>
           <a:extLst>
             <a:ext uri="{909E8E84-426E-40dd-AFC4-6F175D3DCCD1}">
-              <a14:hiddenFill xmlns:a14="http://schemas.microsoft.com/office/drawing/2010/main">
+              <a14:hiddenFill xmlns:a14="http://schemas.microsoft.com/office/drawing/2010/main" xmlns="">
                 <a:solidFill>
                   <a:srgbClr val="FFFFFF"/>
                 </a:solidFill>
@@ -4254,7 +4271,7 @@
           <a:noFill/>
           <a:extLst>
             <a:ext uri="{909E8E84-426E-40dd-AFC4-6F175D3DCCD1}">
-              <a14:hiddenFill xmlns:a14="http://schemas.microsoft.com/office/drawing/2010/main">
+              <a14:hiddenFill xmlns:a14="http://schemas.microsoft.com/office/drawing/2010/main" xmlns="">
                 <a:solidFill>
                   <a:srgbClr val="FFFFFF"/>
                 </a:solidFill>
@@ -4341,14 +4358,14 @@
           <a:effectLst/>
           <a:extLst>
             <a:ext uri="{909E8E84-426E-40dd-AFC4-6F175D3DCCD1}">
-              <a14:hiddenFill xmlns:a14="http://schemas.microsoft.com/office/drawing/2010/main">
+              <a14:hiddenFill xmlns:a14="http://schemas.microsoft.com/office/drawing/2010/main" xmlns="">
                 <a:solidFill>
                   <a:schemeClr val="accent1"/>
                 </a:solidFill>
               </a14:hiddenFill>
             </a:ext>
             <a:ext uri="{91240B29-F687-4f45-9708-019B960494DF}">
-              <a14:hiddenLine xmlns:a14="http://schemas.microsoft.com/office/drawing/2010/main" w="9525">
+              <a14:hiddenLine xmlns:a14="http://schemas.microsoft.com/office/drawing/2010/main" xmlns="" w="9525">
                 <a:solidFill>
                   <a:schemeClr val="tx1"/>
                 </a:solidFill>
@@ -4358,7 +4375,7 @@
               </a14:hiddenLine>
             </a:ext>
             <a:ext uri="{AF507438-7753-43e0-B8FC-AC1667EBCBE1}">
-              <a14:hiddenEffects xmlns:a14="http://schemas.microsoft.com/office/drawing/2010/main">
+              <a14:hiddenEffects xmlns:a14="http://schemas.microsoft.com/office/drawing/2010/main" xmlns="">
                 <a:effectLst>
                   <a:outerShdw dist="35921" dir="2700000" algn="ctr" rotWithShape="0">
                     <a:schemeClr val="bg2"/>
@@ -4382,7 +4399,7 @@
   <p:timing>
     <p:tnLst>
       <p:par>
-        <p:cTn xmlns:p14="http://schemas.microsoft.com/office/powerpoint/2010/main" id="1" dur="indefinite" restart="never" nodeType="tmRoot"/>
+        <p:cTn id="1" dur="indefinite" restart="never" nodeType="tmRoot"/>
       </p:par>
     </p:tnLst>
   </p:timing>
@@ -4438,7 +4455,7 @@
           <a:noFill/>
           <a:extLst>
             <a:ext uri="{909E8E84-426E-40dd-AFC4-6F175D3DCCD1}">
-              <a14:hiddenFill xmlns:a14="http://schemas.microsoft.com/office/drawing/2010/main">
+              <a14:hiddenFill xmlns:a14="http://schemas.microsoft.com/office/drawing/2010/main" xmlns="">
                 <a:solidFill>
                   <a:srgbClr val="FFFFFF"/>
                 </a:solidFill>
@@ -4733,14 +4750,14 @@
           <a:effectLst/>
           <a:extLst>
             <a:ext uri="{909E8E84-426E-40dd-AFC4-6F175D3DCCD1}">
-              <a14:hiddenFill xmlns:a14="http://schemas.microsoft.com/office/drawing/2010/main">
+              <a14:hiddenFill xmlns:a14="http://schemas.microsoft.com/office/drawing/2010/main" xmlns="">
                 <a:solidFill>
                   <a:schemeClr val="accent1"/>
                 </a:solidFill>
               </a14:hiddenFill>
             </a:ext>
             <a:ext uri="{91240B29-F687-4f45-9708-019B960494DF}">
-              <a14:hiddenLine xmlns:a14="http://schemas.microsoft.com/office/drawing/2010/main" w="9525">
+              <a14:hiddenLine xmlns:a14="http://schemas.microsoft.com/office/drawing/2010/main" xmlns="" w="9525">
                 <a:solidFill>
                   <a:schemeClr val="tx1"/>
                 </a:solidFill>
@@ -4750,7 +4767,7 @@
               </a14:hiddenLine>
             </a:ext>
             <a:ext uri="{AF507438-7753-43e0-B8FC-AC1667EBCBE1}">
-              <a14:hiddenEffects xmlns:a14="http://schemas.microsoft.com/office/drawing/2010/main">
+              <a14:hiddenEffects xmlns:a14="http://schemas.microsoft.com/office/drawing/2010/main" xmlns="">
                 <a:effectLst>
                   <a:outerShdw dist="35921" dir="2700000" algn="ctr" rotWithShape="0">
                     <a:schemeClr val="bg2"/>
@@ -4774,7 +4791,7 @@
   <p:timing>
     <p:tnLst>
       <p:par>
-        <p:cTn xmlns:p14="http://schemas.microsoft.com/office/powerpoint/2010/main" id="1" dur="indefinite" restart="never" nodeType="tmRoot"/>
+        <p:cTn id="1" dur="indefinite" restart="never" nodeType="tmRoot"/>
       </p:par>
     </p:tnLst>
   </p:timing>
@@ -5749,7 +5766,7 @@
   <p:timing>
     <p:tnLst>
       <p:par>
-        <p:cTn xmlns:p14="http://schemas.microsoft.com/office/powerpoint/2010/main" id="1" dur="indefinite" restart="never" nodeType="tmRoot"/>
+        <p:cTn id="1" dur="indefinite" restart="never" nodeType="tmRoot"/>
       </p:par>
     </p:tnLst>
   </p:timing>
@@ -6347,7 +6364,7 @@
   <p:timing>
     <p:tnLst>
       <p:par>
-        <p:cTn xmlns:p14="http://schemas.microsoft.com/office/powerpoint/2010/main" id="1" dur="indefinite" restart="never" nodeType="tmRoot"/>
+        <p:cTn id="1" dur="indefinite" restart="never" nodeType="tmRoot"/>
       </p:par>
     </p:tnLst>
   </p:timing>
@@ -8305,6 +8322,900 @@
     <p:extLst>
       <p:ext uri="{BB962C8B-B14F-4D97-AF65-F5344CB8AC3E}">
         <p14:creationId xmlns:p14="http://schemas.microsoft.com/office/powerpoint/2010/main" val="1765294511"/>
+      </p:ext>
+    </p:extLst>
+  </p:cSld>
+  <p:clrMapOvr>
+    <a:masterClrMapping/>
+  </p:clrMapOvr>
+</p:sld>
+</file>
+
+<file path=ppt/slides/slide11.xml><?xml version="1.0" encoding="utf-8"?>
+<p:sld xmlns:a="http://schemas.openxmlformats.org/drawingml/2006/main" xmlns:r="http://schemas.openxmlformats.org/officeDocument/2006/relationships" xmlns:p="http://schemas.openxmlformats.org/presentationml/2006/main">
+  <p:cSld>
+    <p:spTree>
+      <p:nvGrpSpPr>
+        <p:cNvPr id="1" name=""/>
+        <p:cNvGrpSpPr/>
+        <p:nvPr/>
+      </p:nvGrpSpPr>
+      <p:grpSpPr>
+        <a:xfrm>
+          <a:off x="0" y="0"/>
+          <a:ext cx="0" cy="0"/>
+          <a:chOff x="0" y="0"/>
+          <a:chExt cx="0" cy="0"/>
+        </a:xfrm>
+      </p:grpSpPr>
+      <p:cxnSp>
+        <p:nvCxnSpPr>
+          <p:cNvPr id="21" name="直線コネクタ 3"/>
+          <p:cNvCxnSpPr/>
+          <p:nvPr/>
+        </p:nvCxnSpPr>
+        <p:spPr>
+          <a:xfrm>
+            <a:off x="413408" y="3473337"/>
+            <a:ext cx="8409305" cy="0"/>
+          </a:xfrm>
+          <a:prstGeom prst="line">
+            <a:avLst/>
+          </a:prstGeom>
+          <a:ln w="9525">
+            <a:prstDash val="dash"/>
+          </a:ln>
+          <a:effectLst/>
+        </p:spPr>
+        <p:style>
+          <a:lnRef idx="2">
+            <a:schemeClr val="accent1"/>
+          </a:lnRef>
+          <a:fillRef idx="0">
+            <a:schemeClr val="accent1"/>
+          </a:fillRef>
+          <a:effectRef idx="1">
+            <a:schemeClr val="accent1"/>
+          </a:effectRef>
+          <a:fontRef idx="minor">
+            <a:schemeClr val="tx1"/>
+          </a:fontRef>
+        </p:style>
+      </p:cxnSp>
+      <p:cxnSp>
+        <p:nvCxnSpPr>
+          <p:cNvPr id="22" name="直線コネクタ 3"/>
+          <p:cNvCxnSpPr/>
+          <p:nvPr/>
+        </p:nvCxnSpPr>
+        <p:spPr>
+          <a:xfrm>
+            <a:off x="437127" y="2791914"/>
+            <a:ext cx="8409305" cy="0"/>
+          </a:xfrm>
+          <a:prstGeom prst="line">
+            <a:avLst/>
+          </a:prstGeom>
+          <a:ln w="9525">
+            <a:prstDash val="dash"/>
+          </a:ln>
+          <a:effectLst/>
+        </p:spPr>
+        <p:style>
+          <a:lnRef idx="2">
+            <a:schemeClr val="accent1"/>
+          </a:lnRef>
+          <a:fillRef idx="0">
+            <a:schemeClr val="accent1"/>
+          </a:fillRef>
+          <a:effectRef idx="1">
+            <a:schemeClr val="accent1"/>
+          </a:effectRef>
+          <a:fontRef idx="minor">
+            <a:schemeClr val="tx1"/>
+          </a:fontRef>
+        </p:style>
+      </p:cxnSp>
+      <p:sp>
+        <p:nvSpPr>
+          <p:cNvPr id="7" name="Rectangle 6"/>
+          <p:cNvSpPr/>
+          <p:nvPr/>
+        </p:nvSpPr>
+        <p:spPr>
+          <a:xfrm>
+            <a:off x="1581571" y="2897233"/>
+            <a:ext cx="5980868" cy="738664"/>
+          </a:xfrm>
+          <a:prstGeom prst="rect">
+            <a:avLst/>
+          </a:prstGeom>
+        </p:spPr>
+        <p:txBody>
+          <a:bodyPr wrap="none">
+            <a:spAutoFit/>
+          </a:bodyPr>
+          <a:lstStyle/>
+          <a:p>
+            <a:pPr algn="dist">
+              <a:lnSpc>
+                <a:spcPct val="70000"/>
+              </a:lnSpc>
+            </a:pPr>
+            <a:r>
+              <a:rPr lang="en-US" altLang="ja-JP" sz="6000" b="1" dirty="0" err="1" smtClean="0">
+                <a:latin typeface="Abadi MT Condensed Light"/>
+                <a:cs typeface="Abadi MT Condensed Light"/>
+              </a:rPr>
+              <a:t>oftware</a:t>
+            </a:r>
+            <a:r>
+              <a:rPr lang="en-US" altLang="ja-JP" sz="6000" b="1" dirty="0" smtClean="0">
+                <a:latin typeface="Abadi MT Condensed Light"/>
+                <a:cs typeface="Abadi MT Condensed Light"/>
+              </a:rPr>
+              <a:t>   </a:t>
+            </a:r>
+            <a:r>
+              <a:rPr lang="en-US" altLang="ja-JP" sz="6000" b="1" dirty="0" err="1" smtClean="0">
+                <a:latin typeface="Abadi MT Condensed Light"/>
+                <a:cs typeface="Abadi MT Condensed Light"/>
+              </a:rPr>
+              <a:t>efined</a:t>
+            </a:r>
+            <a:r>
+              <a:rPr lang="en-US" altLang="ja-JP" sz="6000" b="1" dirty="0" smtClean="0">
+                <a:latin typeface="Abadi MT Condensed Light"/>
+                <a:cs typeface="Abadi MT Condensed Light"/>
+              </a:rPr>
+              <a:t>    </a:t>
+            </a:r>
+            <a:r>
+              <a:rPr lang="en-US" altLang="ja-JP" sz="6000" b="1" dirty="0" err="1" smtClean="0">
+                <a:latin typeface="Abadi MT Condensed Light"/>
+                <a:cs typeface="Abadi MT Condensed Light"/>
+              </a:rPr>
+              <a:t>edia</a:t>
+            </a:r>
+            <a:endParaRPr lang="ja-JP" altLang="en-US" sz="6000" dirty="0">
+              <a:latin typeface="Abadi MT Condensed Light"/>
+              <a:cs typeface="Abadi MT Condensed Light"/>
+            </a:endParaRPr>
+          </a:p>
+        </p:txBody>
+      </p:sp>
+      <p:sp>
+        <p:nvSpPr>
+          <p:cNvPr id="10" name="フリーフォーム 11"/>
+          <p:cNvSpPr/>
+          <p:nvPr/>
+        </p:nvSpPr>
+        <p:spPr>
+          <a:xfrm flipV="1">
+            <a:off x="5860823" y="2791914"/>
+            <a:ext cx="487959" cy="681423"/>
+          </a:xfrm>
+          <a:custGeom>
+            <a:avLst/>
+            <a:gdLst>
+              <a:gd name="connsiteX0" fmla="*/ 0 w 3142297"/>
+              <a:gd name="connsiteY0" fmla="*/ 105837 h 4388143"/>
+              <a:gd name="connsiteX1" fmla="*/ 553566 w 3142297"/>
+              <a:gd name="connsiteY1" fmla="*/ 113978 h 4388143"/>
+              <a:gd name="connsiteX2" fmla="*/ 1066427 w 3142297"/>
+              <a:gd name="connsiteY2" fmla="*/ 2124871 h 4388143"/>
+              <a:gd name="connsiteX3" fmla="*/ 1571149 w 3142297"/>
+              <a:gd name="connsiteY3" fmla="*/ 0 h 4388143"/>
+              <a:gd name="connsiteX4" fmla="*/ 2092151 w 3142297"/>
+              <a:gd name="connsiteY4" fmla="*/ 2165577 h 4388143"/>
+              <a:gd name="connsiteX5" fmla="*/ 2605013 w 3142297"/>
+              <a:gd name="connsiteY5" fmla="*/ 105837 h 4388143"/>
+              <a:gd name="connsiteX6" fmla="*/ 3142297 w 3142297"/>
+              <a:gd name="connsiteY6" fmla="*/ 122119 h 4388143"/>
+              <a:gd name="connsiteX7" fmla="*/ 2084010 w 3142297"/>
+              <a:gd name="connsiteY7" fmla="*/ 4388143 h 4388143"/>
+              <a:gd name="connsiteX8" fmla="*/ 1571149 w 3142297"/>
+              <a:gd name="connsiteY8" fmla="*/ 2263272 h 4388143"/>
+              <a:gd name="connsiteX9" fmla="*/ 1058287 w 3142297"/>
+              <a:gd name="connsiteY9" fmla="*/ 4363719 h 4388143"/>
+              <a:gd name="connsiteX10" fmla="*/ 0 w 3142297"/>
+              <a:gd name="connsiteY10" fmla="*/ 105837 h 4388143"/>
+            </a:gdLst>
+            <a:ahLst/>
+            <a:cxnLst>
+              <a:cxn ang="0">
+                <a:pos x="connsiteX0" y="connsiteY0"/>
+              </a:cxn>
+              <a:cxn ang="0">
+                <a:pos x="connsiteX1" y="connsiteY1"/>
+              </a:cxn>
+              <a:cxn ang="0">
+                <a:pos x="connsiteX2" y="connsiteY2"/>
+              </a:cxn>
+              <a:cxn ang="0">
+                <a:pos x="connsiteX3" y="connsiteY3"/>
+              </a:cxn>
+              <a:cxn ang="0">
+                <a:pos x="connsiteX4" y="connsiteY4"/>
+              </a:cxn>
+              <a:cxn ang="0">
+                <a:pos x="connsiteX5" y="connsiteY5"/>
+              </a:cxn>
+              <a:cxn ang="0">
+                <a:pos x="connsiteX6" y="connsiteY6"/>
+              </a:cxn>
+              <a:cxn ang="0">
+                <a:pos x="connsiteX7" y="connsiteY7"/>
+              </a:cxn>
+              <a:cxn ang="0">
+                <a:pos x="connsiteX8" y="connsiteY8"/>
+              </a:cxn>
+              <a:cxn ang="0">
+                <a:pos x="connsiteX9" y="connsiteY9"/>
+              </a:cxn>
+              <a:cxn ang="0">
+                <a:pos x="connsiteX10" y="connsiteY10"/>
+              </a:cxn>
+            </a:cxnLst>
+            <a:rect l="l" t="t" r="r" b="b"/>
+            <a:pathLst>
+              <a:path w="3142297" h="4388143">
+                <a:moveTo>
+                  <a:pt x="0" y="105837"/>
+                </a:moveTo>
+                <a:lnTo>
+                  <a:pt x="553566" y="113978"/>
+                </a:lnTo>
+                <a:lnTo>
+                  <a:pt x="1066427" y="2124871"/>
+                </a:lnTo>
+                <a:lnTo>
+                  <a:pt x="1571149" y="0"/>
+                </a:lnTo>
+                <a:lnTo>
+                  <a:pt x="2092151" y="2165577"/>
+                </a:lnTo>
+                <a:lnTo>
+                  <a:pt x="2605013" y="105837"/>
+                </a:lnTo>
+                <a:lnTo>
+                  <a:pt x="3142297" y="122119"/>
+                </a:lnTo>
+                <a:lnTo>
+                  <a:pt x="2084010" y="4388143"/>
+                </a:lnTo>
+                <a:lnTo>
+                  <a:pt x="1571149" y="2263272"/>
+                </a:lnTo>
+                <a:lnTo>
+                  <a:pt x="1058287" y="4363719"/>
+                </a:lnTo>
+                <a:lnTo>
+                  <a:pt x="0" y="105837"/>
+                </a:lnTo>
+                <a:close/>
+              </a:path>
+            </a:pathLst>
+          </a:custGeom>
+          <a:solidFill>
+            <a:schemeClr val="tx1"/>
+          </a:solidFill>
+          <a:ln>
+            <a:noFill/>
+          </a:ln>
+          <a:effectLst/>
+        </p:spPr>
+        <p:style>
+          <a:lnRef idx="1">
+            <a:schemeClr val="accent1"/>
+          </a:lnRef>
+          <a:fillRef idx="3">
+            <a:schemeClr val="accent1"/>
+          </a:fillRef>
+          <a:effectRef idx="2">
+            <a:schemeClr val="accent1"/>
+          </a:effectRef>
+          <a:fontRef idx="minor">
+            <a:schemeClr val="lt1"/>
+          </a:fontRef>
+        </p:style>
+        <p:txBody>
+          <a:bodyPr rtlCol="0" anchor="ctr"/>
+          <a:lstStyle/>
+          <a:p>
+            <a:pPr algn="ctr"/>
+            <a:endParaRPr kumimoji="1" lang="ja-JP" altLang="en-US"/>
+          </a:p>
+        </p:txBody>
+      </p:sp>
+      <p:grpSp>
+        <p:nvGrpSpPr>
+          <p:cNvPr id="16" name="Group 15"/>
+          <p:cNvGrpSpPr/>
+          <p:nvPr/>
+        </p:nvGrpSpPr>
+        <p:grpSpPr>
+          <a:xfrm>
+            <a:off x="3817605" y="2800764"/>
+            <a:ext cx="265497" cy="672573"/>
+            <a:chOff x="1819692" y="2011300"/>
+            <a:chExt cx="265497" cy="672573"/>
+          </a:xfrm>
+        </p:grpSpPr>
+        <p:sp>
+          <p:nvSpPr>
+            <p:cNvPr id="13" name="フリーフォーム 12"/>
+            <p:cNvSpPr/>
+            <p:nvPr/>
+          </p:nvSpPr>
+          <p:spPr>
+            <a:xfrm>
+              <a:off x="1819692" y="2011300"/>
+              <a:ext cx="265497" cy="672573"/>
+            </a:xfrm>
+            <a:custGeom>
+              <a:avLst/>
+              <a:gdLst>
+                <a:gd name="connsiteX0" fmla="*/ 0 w 1709539"/>
+                <a:gd name="connsiteY0" fmla="*/ 0 h 4331154"/>
+                <a:gd name="connsiteX1" fmla="*/ 16281 w 1709539"/>
+                <a:gd name="connsiteY1" fmla="*/ 4331154 h 4331154"/>
+                <a:gd name="connsiteX2" fmla="*/ 1709539 w 1709539"/>
+                <a:gd name="connsiteY2" fmla="*/ 2100447 h 4331154"/>
+                <a:gd name="connsiteX3" fmla="*/ 0 w 1709539"/>
+                <a:gd name="connsiteY3" fmla="*/ 0 h 4331154"/>
+                <a:gd name="connsiteX0" fmla="*/ 0 w 1709542"/>
+                <a:gd name="connsiteY0" fmla="*/ 51206 h 4425804"/>
+                <a:gd name="connsiteX1" fmla="*/ 16281 w 1709542"/>
+                <a:gd name="connsiteY1" fmla="*/ 4382360 h 4425804"/>
+                <a:gd name="connsiteX2" fmla="*/ 1709539 w 1709542"/>
+                <a:gd name="connsiteY2" fmla="*/ 2151653 h 4425804"/>
+                <a:gd name="connsiteX3" fmla="*/ 0 w 1709542"/>
+                <a:gd name="connsiteY3" fmla="*/ 51206 h 4425804"/>
+                <a:gd name="connsiteX0" fmla="*/ 0 w 1709634"/>
+                <a:gd name="connsiteY0" fmla="*/ 71620 h 4462730"/>
+                <a:gd name="connsiteX1" fmla="*/ 16281 w 1709634"/>
+                <a:gd name="connsiteY1" fmla="*/ 4402774 h 4462730"/>
+                <a:gd name="connsiteX2" fmla="*/ 1709539 w 1709634"/>
+                <a:gd name="connsiteY2" fmla="*/ 2172067 h 4462730"/>
+                <a:gd name="connsiteX3" fmla="*/ 0 w 1709634"/>
+                <a:gd name="connsiteY3" fmla="*/ 71620 h 4462730"/>
+                <a:gd name="connsiteX0" fmla="*/ 0 w 1709646"/>
+                <a:gd name="connsiteY0" fmla="*/ 1299 h 4392409"/>
+                <a:gd name="connsiteX1" fmla="*/ 16281 w 1709646"/>
+                <a:gd name="connsiteY1" fmla="*/ 4332453 h 4392409"/>
+                <a:gd name="connsiteX2" fmla="*/ 1709539 w 1709646"/>
+                <a:gd name="connsiteY2" fmla="*/ 2101746 h 4392409"/>
+                <a:gd name="connsiteX3" fmla="*/ 0 w 1709646"/>
+                <a:gd name="connsiteY3" fmla="*/ 1299 h 4392409"/>
+                <a:gd name="connsiteX0" fmla="*/ 0 w 1709654"/>
+                <a:gd name="connsiteY0" fmla="*/ 0 h 4391110"/>
+                <a:gd name="connsiteX1" fmla="*/ 16281 w 1709654"/>
+                <a:gd name="connsiteY1" fmla="*/ 4331154 h 4391110"/>
+                <a:gd name="connsiteX2" fmla="*/ 1709539 w 1709654"/>
+                <a:gd name="connsiteY2" fmla="*/ 2100447 h 4391110"/>
+                <a:gd name="connsiteX3" fmla="*/ 0 w 1709654"/>
+                <a:gd name="connsiteY3" fmla="*/ 0 h 4391110"/>
+                <a:gd name="connsiteX0" fmla="*/ 0 w 1709654"/>
+                <a:gd name="connsiteY0" fmla="*/ 0 h 4331154"/>
+                <a:gd name="connsiteX1" fmla="*/ 16281 w 1709654"/>
+                <a:gd name="connsiteY1" fmla="*/ 4331154 h 4331154"/>
+                <a:gd name="connsiteX2" fmla="*/ 1709539 w 1709654"/>
+                <a:gd name="connsiteY2" fmla="*/ 2100447 h 4331154"/>
+                <a:gd name="connsiteX3" fmla="*/ 0 w 1709654"/>
+                <a:gd name="connsiteY3" fmla="*/ 0 h 4331154"/>
+                <a:gd name="connsiteX0" fmla="*/ 0 w 1709707"/>
+                <a:gd name="connsiteY0" fmla="*/ 0 h 4331154"/>
+                <a:gd name="connsiteX1" fmla="*/ 16281 w 1709707"/>
+                <a:gd name="connsiteY1" fmla="*/ 4331154 h 4331154"/>
+                <a:gd name="connsiteX2" fmla="*/ 1709539 w 1709707"/>
+                <a:gd name="connsiteY2" fmla="*/ 2100447 h 4331154"/>
+                <a:gd name="connsiteX3" fmla="*/ 0 w 1709707"/>
+                <a:gd name="connsiteY3" fmla="*/ 0 h 4331154"/>
+                <a:gd name="connsiteX0" fmla="*/ 0 w 1718649"/>
+                <a:gd name="connsiteY0" fmla="*/ 0 h 4331154"/>
+                <a:gd name="connsiteX1" fmla="*/ 16281 w 1718649"/>
+                <a:gd name="connsiteY1" fmla="*/ 4331154 h 4331154"/>
+                <a:gd name="connsiteX2" fmla="*/ 1709539 w 1718649"/>
+                <a:gd name="connsiteY2" fmla="*/ 2100447 h 4331154"/>
+                <a:gd name="connsiteX3" fmla="*/ 0 w 1718649"/>
+                <a:gd name="connsiteY3" fmla="*/ 0 h 4331154"/>
+                <a:gd name="connsiteX0" fmla="*/ 0 w 1709633"/>
+                <a:gd name="connsiteY0" fmla="*/ 0 h 4331154"/>
+                <a:gd name="connsiteX1" fmla="*/ 16281 w 1709633"/>
+                <a:gd name="connsiteY1" fmla="*/ 4331154 h 4331154"/>
+                <a:gd name="connsiteX2" fmla="*/ 1709539 w 1709633"/>
+                <a:gd name="connsiteY2" fmla="*/ 2100447 h 4331154"/>
+                <a:gd name="connsiteX3" fmla="*/ 0 w 1709633"/>
+                <a:gd name="connsiteY3" fmla="*/ 0 h 4331154"/>
+                <a:gd name="connsiteX0" fmla="*/ 0 w 1709825"/>
+                <a:gd name="connsiteY0" fmla="*/ 0 h 4331154"/>
+                <a:gd name="connsiteX1" fmla="*/ 16281 w 1709825"/>
+                <a:gd name="connsiteY1" fmla="*/ 4331154 h 4331154"/>
+                <a:gd name="connsiteX2" fmla="*/ 1709539 w 1709825"/>
+                <a:gd name="connsiteY2" fmla="*/ 2100447 h 4331154"/>
+                <a:gd name="connsiteX3" fmla="*/ 0 w 1709825"/>
+                <a:gd name="connsiteY3" fmla="*/ 0 h 4331154"/>
+                <a:gd name="connsiteX0" fmla="*/ 0 w 1709825"/>
+                <a:gd name="connsiteY0" fmla="*/ 0 h 4331154"/>
+                <a:gd name="connsiteX1" fmla="*/ 16281 w 1709825"/>
+                <a:gd name="connsiteY1" fmla="*/ 4331154 h 4331154"/>
+                <a:gd name="connsiteX2" fmla="*/ 1709539 w 1709825"/>
+                <a:gd name="connsiteY2" fmla="*/ 2214425 h 4331154"/>
+                <a:gd name="connsiteX3" fmla="*/ 0 w 1709825"/>
+                <a:gd name="connsiteY3" fmla="*/ 0 h 4331154"/>
+                <a:gd name="connsiteX0" fmla="*/ 0 w 1709707"/>
+                <a:gd name="connsiteY0" fmla="*/ 0 h 4331154"/>
+                <a:gd name="connsiteX1" fmla="*/ 16281 w 1709707"/>
+                <a:gd name="connsiteY1" fmla="*/ 4331154 h 4331154"/>
+                <a:gd name="connsiteX2" fmla="*/ 1709539 w 1709707"/>
+                <a:gd name="connsiteY2" fmla="*/ 2214425 h 4331154"/>
+                <a:gd name="connsiteX3" fmla="*/ 0 w 1709707"/>
+                <a:gd name="connsiteY3" fmla="*/ 0 h 4331154"/>
+                <a:gd name="connsiteX0" fmla="*/ 0 w 1709718"/>
+                <a:gd name="connsiteY0" fmla="*/ 0 h 4331154"/>
+                <a:gd name="connsiteX1" fmla="*/ 16281 w 1709718"/>
+                <a:gd name="connsiteY1" fmla="*/ 4331154 h 4331154"/>
+                <a:gd name="connsiteX2" fmla="*/ 1709539 w 1709718"/>
+                <a:gd name="connsiteY2" fmla="*/ 2214425 h 4331154"/>
+                <a:gd name="connsiteX3" fmla="*/ 0 w 1709718"/>
+                <a:gd name="connsiteY3" fmla="*/ 0 h 4331154"/>
+              </a:gdLst>
+              <a:ahLst/>
+              <a:cxnLst>
+                <a:cxn ang="0">
+                  <a:pos x="connsiteX0" y="connsiteY0"/>
+                </a:cxn>
+                <a:cxn ang="0">
+                  <a:pos x="connsiteX1" y="connsiteY1"/>
+                </a:cxn>
+                <a:cxn ang="0">
+                  <a:pos x="connsiteX2" y="connsiteY2"/>
+                </a:cxn>
+                <a:cxn ang="0">
+                  <a:pos x="connsiteX3" y="connsiteY3"/>
+                </a:cxn>
+              </a:cxnLst>
+              <a:rect l="l" t="t" r="r" b="b"/>
+              <a:pathLst>
+                <a:path w="1709718" h="4331154">
+                  <a:moveTo>
+                    <a:pt x="0" y="0"/>
+                  </a:moveTo>
+                  <a:lnTo>
+                    <a:pt x="16281" y="4331154"/>
+                  </a:lnTo>
+                  <a:cubicBezTo>
+                    <a:pt x="797785" y="4070633"/>
+                    <a:pt x="1695973" y="3416618"/>
+                    <a:pt x="1709539" y="2214425"/>
+                  </a:cubicBezTo>
+                  <a:cubicBezTo>
+                    <a:pt x="1723105" y="1012232"/>
+                    <a:pt x="966026" y="312083"/>
+                    <a:pt x="0" y="0"/>
+                  </a:cubicBezTo>
+                  <a:close/>
+                </a:path>
+              </a:pathLst>
+            </a:custGeom>
+            <a:solidFill>
+              <a:schemeClr val="tx1"/>
+            </a:solidFill>
+            <a:ln>
+              <a:noFill/>
+            </a:ln>
+            <a:effectLst/>
+          </p:spPr>
+          <p:style>
+            <a:lnRef idx="1">
+              <a:schemeClr val="accent1"/>
+            </a:lnRef>
+            <a:fillRef idx="3">
+              <a:schemeClr val="accent1"/>
+            </a:fillRef>
+            <a:effectRef idx="2">
+              <a:schemeClr val="accent1"/>
+            </a:effectRef>
+            <a:fontRef idx="minor">
+              <a:schemeClr val="lt1"/>
+            </a:fontRef>
+          </p:style>
+          <p:txBody>
+            <a:bodyPr rtlCol="0" anchor="ctr"/>
+            <a:lstStyle/>
+            <a:p>
+              <a:pPr algn="ctr"/>
+              <a:endParaRPr kumimoji="1" lang="ja-JP" altLang="en-US"/>
+            </a:p>
+          </p:txBody>
+        </p:sp>
+        <p:sp>
+          <p:nvSpPr>
+            <p:cNvPr id="14" name="フリーフォーム 13"/>
+            <p:cNvSpPr/>
+            <p:nvPr/>
+          </p:nvSpPr>
+          <p:spPr>
+            <a:xfrm>
+              <a:off x="1898980" y="2141162"/>
+              <a:ext cx="106533" cy="411231"/>
+            </a:xfrm>
+            <a:custGeom>
+              <a:avLst/>
+              <a:gdLst>
+                <a:gd name="connsiteX0" fmla="*/ 0 w 1709539"/>
+                <a:gd name="connsiteY0" fmla="*/ 0 h 4331154"/>
+                <a:gd name="connsiteX1" fmla="*/ 16281 w 1709539"/>
+                <a:gd name="connsiteY1" fmla="*/ 4331154 h 4331154"/>
+                <a:gd name="connsiteX2" fmla="*/ 1709539 w 1709539"/>
+                <a:gd name="connsiteY2" fmla="*/ 2100447 h 4331154"/>
+                <a:gd name="connsiteX3" fmla="*/ 0 w 1709539"/>
+                <a:gd name="connsiteY3" fmla="*/ 0 h 4331154"/>
+                <a:gd name="connsiteX0" fmla="*/ 0 w 1709542"/>
+                <a:gd name="connsiteY0" fmla="*/ 51206 h 4425804"/>
+                <a:gd name="connsiteX1" fmla="*/ 16281 w 1709542"/>
+                <a:gd name="connsiteY1" fmla="*/ 4382360 h 4425804"/>
+                <a:gd name="connsiteX2" fmla="*/ 1709539 w 1709542"/>
+                <a:gd name="connsiteY2" fmla="*/ 2151653 h 4425804"/>
+                <a:gd name="connsiteX3" fmla="*/ 0 w 1709542"/>
+                <a:gd name="connsiteY3" fmla="*/ 51206 h 4425804"/>
+                <a:gd name="connsiteX0" fmla="*/ 0 w 1709634"/>
+                <a:gd name="connsiteY0" fmla="*/ 71620 h 4462730"/>
+                <a:gd name="connsiteX1" fmla="*/ 16281 w 1709634"/>
+                <a:gd name="connsiteY1" fmla="*/ 4402774 h 4462730"/>
+                <a:gd name="connsiteX2" fmla="*/ 1709539 w 1709634"/>
+                <a:gd name="connsiteY2" fmla="*/ 2172067 h 4462730"/>
+                <a:gd name="connsiteX3" fmla="*/ 0 w 1709634"/>
+                <a:gd name="connsiteY3" fmla="*/ 71620 h 4462730"/>
+                <a:gd name="connsiteX0" fmla="*/ 0 w 1709646"/>
+                <a:gd name="connsiteY0" fmla="*/ 1299 h 4392409"/>
+                <a:gd name="connsiteX1" fmla="*/ 16281 w 1709646"/>
+                <a:gd name="connsiteY1" fmla="*/ 4332453 h 4392409"/>
+                <a:gd name="connsiteX2" fmla="*/ 1709539 w 1709646"/>
+                <a:gd name="connsiteY2" fmla="*/ 2101746 h 4392409"/>
+                <a:gd name="connsiteX3" fmla="*/ 0 w 1709646"/>
+                <a:gd name="connsiteY3" fmla="*/ 1299 h 4392409"/>
+                <a:gd name="connsiteX0" fmla="*/ 0 w 1709654"/>
+                <a:gd name="connsiteY0" fmla="*/ 0 h 4391110"/>
+                <a:gd name="connsiteX1" fmla="*/ 16281 w 1709654"/>
+                <a:gd name="connsiteY1" fmla="*/ 4331154 h 4391110"/>
+                <a:gd name="connsiteX2" fmla="*/ 1709539 w 1709654"/>
+                <a:gd name="connsiteY2" fmla="*/ 2100447 h 4391110"/>
+                <a:gd name="connsiteX3" fmla="*/ 0 w 1709654"/>
+                <a:gd name="connsiteY3" fmla="*/ 0 h 4391110"/>
+                <a:gd name="connsiteX0" fmla="*/ 0 w 1709654"/>
+                <a:gd name="connsiteY0" fmla="*/ 0 h 4331154"/>
+                <a:gd name="connsiteX1" fmla="*/ 16281 w 1709654"/>
+                <a:gd name="connsiteY1" fmla="*/ 4331154 h 4331154"/>
+                <a:gd name="connsiteX2" fmla="*/ 1709539 w 1709654"/>
+                <a:gd name="connsiteY2" fmla="*/ 2100447 h 4331154"/>
+                <a:gd name="connsiteX3" fmla="*/ 0 w 1709654"/>
+                <a:gd name="connsiteY3" fmla="*/ 0 h 4331154"/>
+                <a:gd name="connsiteX0" fmla="*/ 0 w 1709707"/>
+                <a:gd name="connsiteY0" fmla="*/ 0 h 4331154"/>
+                <a:gd name="connsiteX1" fmla="*/ 16281 w 1709707"/>
+                <a:gd name="connsiteY1" fmla="*/ 4331154 h 4331154"/>
+                <a:gd name="connsiteX2" fmla="*/ 1709539 w 1709707"/>
+                <a:gd name="connsiteY2" fmla="*/ 2100447 h 4331154"/>
+                <a:gd name="connsiteX3" fmla="*/ 0 w 1709707"/>
+                <a:gd name="connsiteY3" fmla="*/ 0 h 4331154"/>
+                <a:gd name="connsiteX0" fmla="*/ 0 w 1718649"/>
+                <a:gd name="connsiteY0" fmla="*/ 0 h 4331154"/>
+                <a:gd name="connsiteX1" fmla="*/ 16281 w 1718649"/>
+                <a:gd name="connsiteY1" fmla="*/ 4331154 h 4331154"/>
+                <a:gd name="connsiteX2" fmla="*/ 1709539 w 1718649"/>
+                <a:gd name="connsiteY2" fmla="*/ 2100447 h 4331154"/>
+                <a:gd name="connsiteX3" fmla="*/ 0 w 1718649"/>
+                <a:gd name="connsiteY3" fmla="*/ 0 h 4331154"/>
+                <a:gd name="connsiteX0" fmla="*/ 0 w 1709633"/>
+                <a:gd name="connsiteY0" fmla="*/ 0 h 4331154"/>
+                <a:gd name="connsiteX1" fmla="*/ 16281 w 1709633"/>
+                <a:gd name="connsiteY1" fmla="*/ 4331154 h 4331154"/>
+                <a:gd name="connsiteX2" fmla="*/ 1709539 w 1709633"/>
+                <a:gd name="connsiteY2" fmla="*/ 2100447 h 4331154"/>
+                <a:gd name="connsiteX3" fmla="*/ 0 w 1709633"/>
+                <a:gd name="connsiteY3" fmla="*/ 0 h 4331154"/>
+                <a:gd name="connsiteX0" fmla="*/ 0 w 1709825"/>
+                <a:gd name="connsiteY0" fmla="*/ 0 h 4331154"/>
+                <a:gd name="connsiteX1" fmla="*/ 16281 w 1709825"/>
+                <a:gd name="connsiteY1" fmla="*/ 4331154 h 4331154"/>
+                <a:gd name="connsiteX2" fmla="*/ 1709539 w 1709825"/>
+                <a:gd name="connsiteY2" fmla="*/ 2100447 h 4331154"/>
+                <a:gd name="connsiteX3" fmla="*/ 0 w 1709825"/>
+                <a:gd name="connsiteY3" fmla="*/ 0 h 4331154"/>
+                <a:gd name="connsiteX0" fmla="*/ 0 w 1709825"/>
+                <a:gd name="connsiteY0" fmla="*/ 0 h 4331154"/>
+                <a:gd name="connsiteX1" fmla="*/ 16281 w 1709825"/>
+                <a:gd name="connsiteY1" fmla="*/ 4331154 h 4331154"/>
+                <a:gd name="connsiteX2" fmla="*/ 1709539 w 1709825"/>
+                <a:gd name="connsiteY2" fmla="*/ 2214425 h 4331154"/>
+                <a:gd name="connsiteX3" fmla="*/ 0 w 1709825"/>
+                <a:gd name="connsiteY3" fmla="*/ 0 h 4331154"/>
+                <a:gd name="connsiteX0" fmla="*/ 0 w 1709707"/>
+                <a:gd name="connsiteY0" fmla="*/ 0 h 4331154"/>
+                <a:gd name="connsiteX1" fmla="*/ 16281 w 1709707"/>
+                <a:gd name="connsiteY1" fmla="*/ 4331154 h 4331154"/>
+                <a:gd name="connsiteX2" fmla="*/ 1709539 w 1709707"/>
+                <a:gd name="connsiteY2" fmla="*/ 2214425 h 4331154"/>
+                <a:gd name="connsiteX3" fmla="*/ 0 w 1709707"/>
+                <a:gd name="connsiteY3" fmla="*/ 0 h 4331154"/>
+                <a:gd name="connsiteX0" fmla="*/ 0 w 1709718"/>
+                <a:gd name="connsiteY0" fmla="*/ 0 h 4331154"/>
+                <a:gd name="connsiteX1" fmla="*/ 16281 w 1709718"/>
+                <a:gd name="connsiteY1" fmla="*/ 4331154 h 4331154"/>
+                <a:gd name="connsiteX2" fmla="*/ 1709539 w 1709718"/>
+                <a:gd name="connsiteY2" fmla="*/ 2214425 h 4331154"/>
+                <a:gd name="connsiteX3" fmla="*/ 0 w 1709718"/>
+                <a:gd name="connsiteY3" fmla="*/ 0 h 4331154"/>
+                <a:gd name="connsiteX0" fmla="*/ 0 w 1709718"/>
+                <a:gd name="connsiteY0" fmla="*/ 0 h 4331154"/>
+                <a:gd name="connsiteX1" fmla="*/ 16281 w 1709718"/>
+                <a:gd name="connsiteY1" fmla="*/ 4331154 h 4331154"/>
+                <a:gd name="connsiteX2" fmla="*/ 1709539 w 1709718"/>
+                <a:gd name="connsiteY2" fmla="*/ 2214425 h 4331154"/>
+                <a:gd name="connsiteX3" fmla="*/ 0 w 1709718"/>
+                <a:gd name="connsiteY3" fmla="*/ 0 h 4331154"/>
+                <a:gd name="connsiteX0" fmla="*/ 0 w 1710087"/>
+                <a:gd name="connsiteY0" fmla="*/ 0 h 4331154"/>
+                <a:gd name="connsiteX1" fmla="*/ 16281 w 1710087"/>
+                <a:gd name="connsiteY1" fmla="*/ 4331154 h 4331154"/>
+                <a:gd name="connsiteX2" fmla="*/ 1709539 w 1710087"/>
+                <a:gd name="connsiteY2" fmla="*/ 2214425 h 4331154"/>
+                <a:gd name="connsiteX3" fmla="*/ 0 w 1710087"/>
+                <a:gd name="connsiteY3" fmla="*/ 0 h 4331154"/>
+                <a:gd name="connsiteX0" fmla="*/ 0 w 1709586"/>
+                <a:gd name="connsiteY0" fmla="*/ 0 h 4331154"/>
+                <a:gd name="connsiteX1" fmla="*/ 16281 w 1709586"/>
+                <a:gd name="connsiteY1" fmla="*/ 4331154 h 4331154"/>
+                <a:gd name="connsiteX2" fmla="*/ 1709539 w 1709586"/>
+                <a:gd name="connsiteY2" fmla="*/ 2214425 h 4331154"/>
+                <a:gd name="connsiteX3" fmla="*/ 0 w 1709586"/>
+                <a:gd name="connsiteY3" fmla="*/ 0 h 4331154"/>
+                <a:gd name="connsiteX0" fmla="*/ 0 w 1709596"/>
+                <a:gd name="connsiteY0" fmla="*/ 0 h 4331154"/>
+                <a:gd name="connsiteX1" fmla="*/ 16281 w 1709596"/>
+                <a:gd name="connsiteY1" fmla="*/ 4331154 h 4331154"/>
+                <a:gd name="connsiteX2" fmla="*/ 1709539 w 1709596"/>
+                <a:gd name="connsiteY2" fmla="*/ 2214425 h 4331154"/>
+                <a:gd name="connsiteX3" fmla="*/ 0 w 1709596"/>
+                <a:gd name="connsiteY3" fmla="*/ 0 h 4331154"/>
+                <a:gd name="connsiteX0" fmla="*/ 0 w 1709608"/>
+                <a:gd name="connsiteY0" fmla="*/ 0 h 4331154"/>
+                <a:gd name="connsiteX1" fmla="*/ 16281 w 1709608"/>
+                <a:gd name="connsiteY1" fmla="*/ 4331154 h 4331154"/>
+                <a:gd name="connsiteX2" fmla="*/ 1709539 w 1709608"/>
+                <a:gd name="connsiteY2" fmla="*/ 2214425 h 4331154"/>
+                <a:gd name="connsiteX3" fmla="*/ 0 w 1709608"/>
+                <a:gd name="connsiteY3" fmla="*/ 0 h 4331154"/>
+              </a:gdLst>
+              <a:ahLst/>
+              <a:cxnLst>
+                <a:cxn ang="0">
+                  <a:pos x="connsiteX0" y="connsiteY0"/>
+                </a:cxn>
+                <a:cxn ang="0">
+                  <a:pos x="connsiteX1" y="connsiteY1"/>
+                </a:cxn>
+                <a:cxn ang="0">
+                  <a:pos x="connsiteX2" y="connsiteY2"/>
+                </a:cxn>
+                <a:cxn ang="0">
+                  <a:pos x="connsiteX3" y="connsiteY3"/>
+                </a:cxn>
+              </a:cxnLst>
+              <a:rect l="l" t="t" r="r" b="b"/>
+              <a:pathLst>
+                <a:path w="1709608" h="4331154">
+                  <a:moveTo>
+                    <a:pt x="0" y="0"/>
+                  </a:moveTo>
+                  <a:lnTo>
+                    <a:pt x="16281" y="4331154"/>
+                  </a:lnTo>
+                  <a:cubicBezTo>
+                    <a:pt x="1244088" y="3697809"/>
+                    <a:pt x="1716258" y="2897329"/>
+                    <a:pt x="1709539" y="2214425"/>
+                  </a:cubicBezTo>
+                  <a:cubicBezTo>
+                    <a:pt x="1702820" y="1531521"/>
+                    <a:pt x="1493473" y="711538"/>
+                    <a:pt x="0" y="0"/>
+                  </a:cubicBezTo>
+                  <a:close/>
+                </a:path>
+              </a:pathLst>
+            </a:custGeom>
+            <a:solidFill>
+              <a:schemeClr val="bg1"/>
+            </a:solidFill>
+            <a:ln>
+              <a:noFill/>
+            </a:ln>
+            <a:effectLst/>
+          </p:spPr>
+          <p:style>
+            <a:lnRef idx="1">
+              <a:schemeClr val="accent1"/>
+            </a:lnRef>
+            <a:fillRef idx="3">
+              <a:schemeClr val="accent1"/>
+            </a:fillRef>
+            <a:effectRef idx="2">
+              <a:schemeClr val="accent1"/>
+            </a:effectRef>
+            <a:fontRef idx="minor">
+              <a:schemeClr val="lt1"/>
+            </a:fontRef>
+          </p:style>
+          <p:txBody>
+            <a:bodyPr rtlCol="0" anchor="ctr"/>
+            <a:lstStyle/>
+            <a:p>
+              <a:pPr algn="ctr"/>
+              <a:endParaRPr kumimoji="1" lang="ja-JP" altLang="en-US" dirty="0"/>
+            </a:p>
+          </p:txBody>
+        </p:sp>
+      </p:grpSp>
+      <p:grpSp>
+        <p:nvGrpSpPr>
+          <p:cNvPr id="15" name="Group 14"/>
+          <p:cNvGrpSpPr/>
+          <p:nvPr/>
+        </p:nvGrpSpPr>
+        <p:grpSpPr>
+          <a:xfrm>
+            <a:off x="1363994" y="2826358"/>
+            <a:ext cx="299691" cy="646979"/>
+            <a:chOff x="1449323" y="2024189"/>
+            <a:chExt cx="299691" cy="646979"/>
+          </a:xfrm>
+        </p:grpSpPr>
+        <p:pic>
+          <p:nvPicPr>
+            <p:cNvPr id="9" name="図 1" descr="20150116-logo_pptx.png"/>
+            <p:cNvPicPr>
+              <a:picLocks noChangeAspect="1"/>
+            </p:cNvPicPr>
+            <p:nvPr/>
+          </p:nvPicPr>
+          <p:blipFill>
+            <a:blip r:embed="rId2">
+              <a:extLst>
+                <a:ext uri="{28A0092B-C50C-407E-A947-70E740481C1C}">
+                  <a14:useLocalDpi xmlns:a14="http://schemas.microsoft.com/office/drawing/2010/main" val="0"/>
+                </a:ext>
+              </a:extLst>
+            </a:blip>
+            <a:stretch>
+              <a:fillRect/>
+            </a:stretch>
+          </p:blipFill>
+          <p:spPr>
+            <a:xfrm>
+              <a:off x="1449323" y="2024189"/>
+              <a:ext cx="299691" cy="646979"/>
+            </a:xfrm>
+            <a:prstGeom prst="rect">
+              <a:avLst/>
+            </a:prstGeom>
+          </p:spPr>
+        </p:pic>
+        <p:sp>
+          <p:nvSpPr>
+            <p:cNvPr id="12" name="円/楕円 9"/>
+            <p:cNvSpPr/>
+            <p:nvPr/>
+          </p:nvSpPr>
+          <p:spPr>
+            <a:xfrm>
+              <a:off x="1466867" y="2396446"/>
+              <a:ext cx="173200" cy="173200"/>
+            </a:xfrm>
+            <a:prstGeom prst="ellipse">
+              <a:avLst/>
+            </a:prstGeom>
+            <a:solidFill>
+              <a:srgbClr val="FB0006"/>
+            </a:solidFill>
+            <a:ln>
+              <a:noFill/>
+            </a:ln>
+            <a:effectLst/>
+          </p:spPr>
+          <p:style>
+            <a:lnRef idx="1">
+              <a:schemeClr val="accent1"/>
+            </a:lnRef>
+            <a:fillRef idx="3">
+              <a:schemeClr val="accent1"/>
+            </a:fillRef>
+            <a:effectRef idx="2">
+              <a:schemeClr val="accent1"/>
+            </a:effectRef>
+            <a:fontRef idx="minor">
+              <a:schemeClr val="lt1"/>
+            </a:fontRef>
+          </p:style>
+          <p:txBody>
+            <a:bodyPr rot="0" spcFirstLastPara="0" vertOverflow="overflow" horzOverflow="overflow" vert="horz" wrap="square" lIns="91440" tIns="45720" rIns="91440" bIns="45720" numCol="1" spcCol="0" rtlCol="0" fromWordArt="0" anchor="ctr" anchorCtr="0" forceAA="0" compatLnSpc="1">
+              <a:prstTxWarp prst="textNoShape">
+                <a:avLst/>
+              </a:prstTxWarp>
+              <a:noAutofit/>
+            </a:bodyPr>
+            <a:lstStyle/>
+            <a:p>
+              <a:pPr algn="ctr"/>
+              <a:endParaRPr kumimoji="1" lang="ja-JP" altLang="en-US"/>
+            </a:p>
+          </p:txBody>
+        </p:sp>
+      </p:grpSp>
+      <p:pic>
+        <p:nvPicPr>
+          <p:cNvPr id="23" name="Picture 22"/>
+          <p:cNvPicPr>
+            <a:picLocks noChangeAspect="1"/>
+          </p:cNvPicPr>
+          <p:nvPr/>
+        </p:nvPicPr>
+        <p:blipFill>
+          <a:blip r:embed="rId3"/>
+          <a:stretch>
+            <a:fillRect/>
+          </a:stretch>
+        </p:blipFill>
+        <p:spPr>
+          <a:xfrm>
+            <a:off x="1188720" y="4388774"/>
+            <a:ext cx="6644640" cy="730180"/>
+          </a:xfrm>
+          <a:prstGeom prst="rect">
+            <a:avLst/>
+          </a:prstGeom>
+        </p:spPr>
+      </p:pic>
+      <p:sp>
+        <p:nvSpPr>
+          <p:cNvPr id="24" name="TextBox 23"/>
+          <p:cNvSpPr txBox="1"/>
+          <p:nvPr/>
+        </p:nvSpPr>
+        <p:spPr>
+          <a:xfrm>
+            <a:off x="7904480" y="4753864"/>
+            <a:ext cx="595035" cy="369332"/>
+          </a:xfrm>
+          <a:prstGeom prst="rect">
+            <a:avLst/>
+          </a:prstGeom>
+          <a:noFill/>
+        </p:spPr>
+        <p:txBody>
+          <a:bodyPr wrap="none" rtlCol="0">
+            <a:spAutoFit/>
+          </a:bodyPr>
+          <a:lstStyle/>
+          <a:p>
+            <a:r>
+              <a:rPr lang="en-US" dirty="0" smtClean="0"/>
+              <a:t>.</a:t>
+            </a:r>
+            <a:r>
+              <a:rPr lang="en-US" dirty="0" err="1" smtClean="0"/>
+              <a:t>png</a:t>
+            </a:r>
+            <a:endParaRPr lang="en-US" dirty="0"/>
+          </a:p>
+        </p:txBody>
+      </p:sp>
+    </p:spTree>
+    <p:extLst>
+      <p:ext uri="{BB962C8B-B14F-4D97-AF65-F5344CB8AC3E}">
+        <p14:creationId xmlns:p14="http://schemas.microsoft.com/office/powerpoint/2010/main" val="1589662378"/>
       </p:ext>
     </p:extLst>
   </p:cSld>

--- a/logos/20150116-logo.pptx
+++ b/logos/20150116-logo.pptx
@@ -223,7 +223,7 @@
           <a:p>
             <a:fld id="{55397277-360A-454E-9892-8B140B67D61E}" type="datetimeFigureOut">
               <a:rPr kumimoji="1" lang="ja-JP" altLang="en-US" smtClean="0"/>
-              <a:t>2016/12/10</a:t>
+              <a:t>2018/8/16</a:t>
             </a:fld>
             <a:endParaRPr kumimoji="1" lang="ja-JP" altLang="en-US"/>
           </a:p>
@@ -389,7 +389,7 @@
           <a:p>
             <a:fld id="{4A7A5A0B-5B1E-E646-883E-67C7714E0911}" type="datetimeFigureOut">
               <a:rPr kumimoji="1" lang="ja-JP" altLang="en-US" smtClean="0"/>
-              <a:t>2016/12/10</a:t>
+              <a:t>2018/8/16</a:t>
             </a:fld>
             <a:endParaRPr kumimoji="1" lang="ja-JP" altLang="en-US"/>
           </a:p>
@@ -453,70 +453,69 @@
           <a:p>
             <a:pPr lvl="0"/>
             <a:r>
-              <a:rPr kumimoji="1" lang="ja-JP" altLang="en-US" smtClean="0"/>
+              <a:rPr kumimoji="1" lang="ja-JP" altLang="en-US"/>
               <a:t>マスター テキストの書式設定</a:t>
             </a:r>
           </a:p>
           <a:p>
             <a:pPr lvl="1"/>
             <a:r>
-              <a:rPr kumimoji="1" lang="ja-JP" altLang="en-US" smtClean="0"/>
+              <a:rPr kumimoji="1" lang="ja-JP" altLang="en-US"/>
               <a:t>第 </a:t>
             </a:r>
             <a:r>
-              <a:rPr kumimoji="1" lang="en-US" altLang="ja-JP" smtClean="0"/>
+              <a:rPr kumimoji="1" lang="en-US" altLang="ja-JP"/>
               <a:t>2 </a:t>
             </a:r>
             <a:r>
-              <a:rPr kumimoji="1" lang="ja-JP" altLang="en-US" smtClean="0"/>
+              <a:rPr kumimoji="1" lang="ja-JP" altLang="en-US"/>
               <a:t>レベル</a:t>
             </a:r>
           </a:p>
           <a:p>
             <a:pPr lvl="2"/>
             <a:r>
-              <a:rPr kumimoji="1" lang="ja-JP" altLang="en-US" smtClean="0"/>
+              <a:rPr kumimoji="1" lang="ja-JP" altLang="en-US"/>
               <a:t>第 </a:t>
             </a:r>
             <a:r>
-              <a:rPr kumimoji="1" lang="en-US" altLang="ja-JP" smtClean="0"/>
+              <a:rPr kumimoji="1" lang="en-US" altLang="ja-JP"/>
               <a:t>3 </a:t>
             </a:r>
             <a:r>
-              <a:rPr kumimoji="1" lang="ja-JP" altLang="en-US" smtClean="0"/>
+              <a:rPr kumimoji="1" lang="ja-JP" altLang="en-US"/>
               <a:t>レベル</a:t>
             </a:r>
           </a:p>
           <a:p>
             <a:pPr lvl="3"/>
             <a:r>
-              <a:rPr kumimoji="1" lang="ja-JP" altLang="en-US" smtClean="0"/>
+              <a:rPr kumimoji="1" lang="ja-JP" altLang="en-US"/>
               <a:t>第 </a:t>
             </a:r>
             <a:r>
-              <a:rPr kumimoji="1" lang="en-US" altLang="ja-JP" smtClean="0"/>
+              <a:rPr kumimoji="1" lang="en-US" altLang="ja-JP"/>
               <a:t>4 </a:t>
             </a:r>
             <a:r>
-              <a:rPr kumimoji="1" lang="ja-JP" altLang="en-US" smtClean="0"/>
+              <a:rPr kumimoji="1" lang="ja-JP" altLang="en-US"/>
               <a:t>レベル</a:t>
             </a:r>
           </a:p>
           <a:p>
             <a:pPr lvl="4"/>
             <a:r>
-              <a:rPr kumimoji="1" lang="ja-JP" altLang="en-US" smtClean="0"/>
+              <a:rPr kumimoji="1" lang="ja-JP" altLang="en-US"/>
               <a:t>第 </a:t>
             </a:r>
             <a:r>
-              <a:rPr kumimoji="1" lang="en-US" altLang="ja-JP" smtClean="0"/>
+              <a:rPr kumimoji="1" lang="en-US" altLang="ja-JP"/>
               <a:t>5 </a:t>
             </a:r>
             <a:r>
-              <a:rPr kumimoji="1" lang="ja-JP" altLang="en-US" smtClean="0"/>
+              <a:rPr kumimoji="1" lang="ja-JP" altLang="en-US"/>
               <a:t>レベル</a:t>
             </a:r>
-            <a:endParaRPr kumimoji="1" lang="ja-JP" altLang="en-US"/>
           </a:p>
         </p:txBody>
       </p:sp>
@@ -773,10 +772,9 @@
           <a:lstStyle/>
           <a:p>
             <a:r>
-              <a:rPr kumimoji="1" lang="ja-JP" altLang="en-US" smtClean="0"/>
+              <a:rPr kumimoji="1" lang="ja-JP" altLang="en-US"/>
               <a:t>マスター タイトルの書式設定</a:t>
             </a:r>
-            <a:endParaRPr kumimoji="1" lang="ja-JP" altLang="en-US"/>
           </a:p>
         </p:txBody>
       </p:sp>
@@ -892,10 +890,9 @@
           </a:lstStyle>
           <a:p>
             <a:r>
-              <a:rPr kumimoji="1" lang="ja-JP" altLang="en-US" smtClean="0"/>
+              <a:rPr kumimoji="1" lang="ja-JP" altLang="en-US"/>
               <a:t>マスター サブタイトルの書式設定</a:t>
             </a:r>
-            <a:endParaRPr kumimoji="1" lang="ja-JP" altLang="en-US"/>
           </a:p>
         </p:txBody>
       </p:sp>
@@ -915,7 +912,7 @@
           <a:lstStyle/>
           <a:p>
             <a:r>
-              <a:rPr kumimoji="1" lang="en-US" altLang="ja-JP" smtClean="0"/>
+              <a:rPr kumimoji="1" lang="en-US" altLang="ja-JP"/>
               <a:t>2015-01-16</a:t>
             </a:r>
             <a:endParaRPr kumimoji="1" lang="ja-JP" altLang="en-US"/>
@@ -938,7 +935,7 @@
           <a:lstStyle/>
           <a:p>
             <a:r>
-              <a:rPr kumimoji="1" lang="en-US" altLang="ja-JP" smtClean="0"/>
+              <a:rPr kumimoji="1" lang="en-US" altLang="ja-JP"/>
               <a:t>Software Defined Media</a:t>
             </a:r>
             <a:endParaRPr kumimoji="1" lang="ja-JP" altLang="en-US"/>
@@ -1104,7 +1101,7 @@
           <a:lstStyle/>
           <a:p>
             <a:r>
-              <a:rPr lang="en-US" altLang="ja-JP" smtClean="0">
+              <a:rPr lang="en-US" altLang="ja-JP">
                 <a:solidFill>
                   <a:prstClr val="black">
                     <a:tint val="75000"/>
@@ -1143,7 +1140,7 @@
           <a:lstStyle/>
           <a:p>
             <a:r>
-              <a:rPr lang="en-US" altLang="ja-JP" smtClean="0">
+              <a:rPr lang="en-US" altLang="ja-JP">
                 <a:solidFill>
                   <a:prstClr val="black">
                     <a:tint val="75000"/>
@@ -1216,13 +1213,6 @@
   <p:clrMapOvr>
     <a:masterClrMapping/>
   </p:clrMapOvr>
-  <p:timing>
-    <p:tnLst>
-      <p:par>
-        <p:cTn id="1" dur="indefinite" restart="never" nodeType="tmRoot"/>
-      </p:par>
-    </p:tnLst>
-  </p:timing>
 </p:sldLayout>
 </file>
 
@@ -1270,7 +1260,7 @@
           </a:lstStyle>
           <a:p>
             <a:r>
-              <a:rPr kumimoji="1" lang="ja-JP" altLang="en-US" smtClean="0"/>
+              <a:rPr kumimoji="1" lang="ja-JP" altLang="en-US"/>
               <a:t>マスター タイトルの書式設定</a:t>
             </a:r>
             <a:endParaRPr kumimoji="1" lang="ja-JP" altLang="en-US" dirty="0"/>
@@ -1389,10 +1379,10 @@
           </a:lstStyle>
           <a:p>
             <a:r>
-              <a:rPr kumimoji="1" lang="ja-JP" altLang="en-US" smtClean="0"/>
+              <a:rPr kumimoji="1" lang="ja-JP" altLang="en-US"/>
               <a:t>マスター サブタイトルの書式設定</a:t>
             </a:r>
-            <a:endParaRPr kumimoji="1" lang="en-US" altLang="ja-JP" dirty="0" smtClean="0"/>
+            <a:endParaRPr kumimoji="1" lang="en-US" altLang="ja-JP" dirty="0"/>
           </a:p>
         </p:txBody>
       </p:sp>
@@ -1501,7 +1491,7 @@
           <a:p>
             <a:pPr defTabSz="914400"/>
             <a:r>
-              <a:rPr lang="en-US" altLang="ja-JP" sz="900" dirty="0" smtClean="0">
+              <a:rPr lang="en-US" altLang="ja-JP" sz="900" dirty="0">
                 <a:solidFill>
                   <a:prstClr val="black"/>
                 </a:solidFill>
@@ -1594,13 +1584,6 @@
   <p:clrMapOvr>
     <a:masterClrMapping/>
   </p:clrMapOvr>
-  <p:timing>
-    <p:tnLst>
-      <p:par>
-        <p:cTn id="1" dur="indefinite" restart="never" nodeType="tmRoot"/>
-      </p:par>
-    </p:tnLst>
-  </p:timing>
 </p:sldLayout>
 </file>
 
@@ -1689,10 +1672,9 @@
           </a:lstStyle>
           <a:p>
             <a:r>
-              <a:rPr kumimoji="1" lang="ja-JP" altLang="en-US" smtClean="0"/>
+              <a:rPr kumimoji="1" lang="ja-JP" altLang="en-US"/>
               <a:t>マスター タイトルの書式設定</a:t>
             </a:r>
-            <a:endParaRPr kumimoji="1" lang="ja-JP" altLang="en-US"/>
           </a:p>
         </p:txBody>
       </p:sp>
@@ -1727,67 +1709,67 @@
           <a:p>
             <a:pPr lvl="0"/>
             <a:r>
-              <a:rPr kumimoji="1" lang="ja-JP" altLang="en-US" smtClean="0"/>
+              <a:rPr kumimoji="1" lang="ja-JP" altLang="en-US"/>
               <a:t>マスター テキストの書式設定</a:t>
             </a:r>
           </a:p>
           <a:p>
             <a:pPr lvl="1"/>
             <a:r>
-              <a:rPr kumimoji="1" lang="ja-JP" altLang="en-US" smtClean="0"/>
+              <a:rPr kumimoji="1" lang="ja-JP" altLang="en-US"/>
               <a:t>第 </a:t>
             </a:r>
             <a:r>
-              <a:rPr kumimoji="1" lang="en-US" altLang="ja-JP" smtClean="0"/>
+              <a:rPr kumimoji="1" lang="en-US" altLang="ja-JP"/>
               <a:t>2 </a:t>
             </a:r>
             <a:r>
-              <a:rPr kumimoji="1" lang="ja-JP" altLang="en-US" smtClean="0"/>
+              <a:rPr kumimoji="1" lang="ja-JP" altLang="en-US"/>
               <a:t>レベル</a:t>
             </a:r>
           </a:p>
           <a:p>
             <a:pPr lvl="2"/>
             <a:r>
-              <a:rPr kumimoji="1" lang="ja-JP" altLang="en-US" smtClean="0"/>
+              <a:rPr kumimoji="1" lang="ja-JP" altLang="en-US"/>
               <a:t>第 </a:t>
             </a:r>
             <a:r>
-              <a:rPr kumimoji="1" lang="en-US" altLang="ja-JP" smtClean="0"/>
+              <a:rPr kumimoji="1" lang="en-US" altLang="ja-JP"/>
               <a:t>3 </a:t>
             </a:r>
             <a:r>
-              <a:rPr kumimoji="1" lang="ja-JP" altLang="en-US" smtClean="0"/>
+              <a:rPr kumimoji="1" lang="ja-JP" altLang="en-US"/>
               <a:t>レベル</a:t>
             </a:r>
           </a:p>
           <a:p>
             <a:pPr lvl="3"/>
             <a:r>
-              <a:rPr kumimoji="1" lang="ja-JP" altLang="en-US" smtClean="0"/>
+              <a:rPr kumimoji="1" lang="ja-JP" altLang="en-US"/>
               <a:t>第 </a:t>
             </a:r>
             <a:r>
-              <a:rPr kumimoji="1" lang="en-US" altLang="ja-JP" smtClean="0"/>
+              <a:rPr kumimoji="1" lang="en-US" altLang="ja-JP"/>
               <a:t>4 </a:t>
             </a:r>
             <a:r>
-              <a:rPr kumimoji="1" lang="ja-JP" altLang="en-US" smtClean="0"/>
+              <a:rPr kumimoji="1" lang="ja-JP" altLang="en-US"/>
               <a:t>レベル</a:t>
             </a:r>
           </a:p>
           <a:p>
             <a:pPr lvl="4"/>
             <a:r>
-              <a:rPr kumimoji="1" lang="ja-JP" altLang="en-US" smtClean="0"/>
+              <a:rPr kumimoji="1" lang="ja-JP" altLang="en-US"/>
               <a:t>第 </a:t>
             </a:r>
             <a:r>
-              <a:rPr kumimoji="1" lang="en-US" altLang="ja-JP" smtClean="0"/>
+              <a:rPr kumimoji="1" lang="en-US" altLang="ja-JP"/>
               <a:t>5 </a:t>
             </a:r>
             <a:r>
-              <a:rPr kumimoji="1" lang="ja-JP" altLang="en-US" smtClean="0"/>
+              <a:rPr kumimoji="1" lang="ja-JP" altLang="en-US"/>
               <a:t>レベル</a:t>
             </a:r>
             <a:endParaRPr kumimoji="1" lang="ja-JP" altLang="en-US" dirty="0"/>
@@ -1893,7 +1875,7 @@
           <a:p>
             <a:pPr defTabSz="914400"/>
             <a:r>
-              <a:rPr lang="en-US" altLang="ja-JP" sz="900" dirty="0" smtClean="0">
+              <a:rPr lang="en-US" altLang="ja-JP" sz="900" dirty="0">
                 <a:solidFill>
                   <a:prstClr val="black"/>
                 </a:solidFill>
@@ -1986,13 +1968,6 @@
   <p:clrMapOvr>
     <a:masterClrMapping/>
   </p:clrMapOvr>
-  <p:timing>
-    <p:tnLst>
-      <p:par>
-        <p:cTn id="1" dur="indefinite" restart="never" nodeType="tmRoot"/>
-      </p:par>
-    </p:tnLst>
-  </p:timing>
 </p:sldLayout>
 </file>
 
@@ -2029,7 +2004,7 @@
           <a:lstStyle/>
           <a:p>
             <a:r>
-              <a:rPr lang="en-US" altLang="ja-JP" smtClean="0">
+              <a:rPr lang="en-US" altLang="ja-JP">
                 <a:solidFill>
                   <a:prstClr val="black">
                     <a:tint val="75000"/>
@@ -2068,7 +2043,7 @@
           <a:lstStyle/>
           <a:p>
             <a:r>
-              <a:rPr lang="en-US" altLang="ja-JP" smtClean="0">
+              <a:rPr lang="en-US" altLang="ja-JP">
                 <a:solidFill>
                   <a:prstClr val="black">
                     <a:tint val="75000"/>
@@ -2141,13 +2116,6 @@
   <p:clrMapOvr>
     <a:masterClrMapping/>
   </p:clrMapOvr>
-  <p:timing>
-    <p:tnLst>
-      <p:par>
-        <p:cTn id="1" dur="indefinite" restart="never" nodeType="tmRoot"/>
-      </p:par>
-    </p:tnLst>
-  </p:timing>
 </p:sldLayout>
 </file>
 
@@ -2184,10 +2152,9 @@
           <a:lstStyle/>
           <a:p>
             <a:r>
-              <a:rPr kumimoji="1" lang="ja-JP" altLang="en-US" smtClean="0"/>
+              <a:rPr kumimoji="1" lang="ja-JP" altLang="en-US"/>
               <a:t>マスター タイトルの書式設定</a:t>
             </a:r>
-            <a:endParaRPr kumimoji="1" lang="ja-JP" altLang="en-US"/>
           </a:p>
         </p:txBody>
       </p:sp>
@@ -2213,70 +2180,69 @@
           <a:p>
             <a:pPr lvl="0"/>
             <a:r>
-              <a:rPr kumimoji="1" lang="ja-JP" altLang="en-US" smtClean="0"/>
+              <a:rPr kumimoji="1" lang="ja-JP" altLang="en-US"/>
               <a:t>マスター テキストの書式設定</a:t>
             </a:r>
           </a:p>
           <a:p>
             <a:pPr lvl="1"/>
             <a:r>
-              <a:rPr kumimoji="1" lang="ja-JP" altLang="en-US" smtClean="0"/>
+              <a:rPr kumimoji="1" lang="ja-JP" altLang="en-US"/>
               <a:t>第 </a:t>
             </a:r>
             <a:r>
-              <a:rPr kumimoji="1" lang="en-US" altLang="ja-JP" smtClean="0"/>
+              <a:rPr kumimoji="1" lang="en-US" altLang="ja-JP"/>
               <a:t>2 </a:t>
             </a:r>
             <a:r>
-              <a:rPr kumimoji="1" lang="ja-JP" altLang="en-US" smtClean="0"/>
+              <a:rPr kumimoji="1" lang="ja-JP" altLang="en-US"/>
               <a:t>レベル</a:t>
             </a:r>
           </a:p>
           <a:p>
             <a:pPr lvl="2"/>
             <a:r>
-              <a:rPr kumimoji="1" lang="ja-JP" altLang="en-US" smtClean="0"/>
+              <a:rPr kumimoji="1" lang="ja-JP" altLang="en-US"/>
               <a:t>第 </a:t>
             </a:r>
             <a:r>
-              <a:rPr kumimoji="1" lang="en-US" altLang="ja-JP" smtClean="0"/>
+              <a:rPr kumimoji="1" lang="en-US" altLang="ja-JP"/>
               <a:t>3 </a:t>
             </a:r>
             <a:r>
-              <a:rPr kumimoji="1" lang="ja-JP" altLang="en-US" smtClean="0"/>
+              <a:rPr kumimoji="1" lang="ja-JP" altLang="en-US"/>
               <a:t>レベル</a:t>
             </a:r>
           </a:p>
           <a:p>
             <a:pPr lvl="3"/>
             <a:r>
-              <a:rPr kumimoji="1" lang="ja-JP" altLang="en-US" smtClean="0"/>
+              <a:rPr kumimoji="1" lang="ja-JP" altLang="en-US"/>
               <a:t>第 </a:t>
             </a:r>
             <a:r>
-              <a:rPr kumimoji="1" lang="en-US" altLang="ja-JP" smtClean="0"/>
+              <a:rPr kumimoji="1" lang="en-US" altLang="ja-JP"/>
               <a:t>4 </a:t>
             </a:r>
             <a:r>
-              <a:rPr kumimoji="1" lang="ja-JP" altLang="en-US" smtClean="0"/>
+              <a:rPr kumimoji="1" lang="ja-JP" altLang="en-US"/>
               <a:t>レベル</a:t>
             </a:r>
           </a:p>
           <a:p>
             <a:pPr lvl="4"/>
             <a:r>
-              <a:rPr kumimoji="1" lang="ja-JP" altLang="en-US" smtClean="0"/>
+              <a:rPr kumimoji="1" lang="ja-JP" altLang="en-US"/>
               <a:t>第 </a:t>
             </a:r>
             <a:r>
-              <a:rPr kumimoji="1" lang="en-US" altLang="ja-JP" smtClean="0"/>
+              <a:rPr kumimoji="1" lang="en-US" altLang="ja-JP"/>
               <a:t>5 </a:t>
             </a:r>
             <a:r>
-              <a:rPr kumimoji="1" lang="ja-JP" altLang="en-US" smtClean="0"/>
+              <a:rPr kumimoji="1" lang="ja-JP" altLang="en-US"/>
               <a:t>レベル</a:t>
             </a:r>
-            <a:endParaRPr kumimoji="1" lang="ja-JP" altLang="en-US"/>
           </a:p>
         </p:txBody>
       </p:sp>
@@ -2296,7 +2262,7 @@
           <a:lstStyle/>
           <a:p>
             <a:r>
-              <a:rPr kumimoji="1" lang="en-US" altLang="ja-JP" smtClean="0"/>
+              <a:rPr kumimoji="1" lang="en-US" altLang="ja-JP"/>
               <a:t>2015-01-16</a:t>
             </a:r>
             <a:endParaRPr kumimoji="1" lang="ja-JP" altLang="en-US"/>
@@ -2319,7 +2285,7 @@
           <a:lstStyle/>
           <a:p>
             <a:r>
-              <a:rPr kumimoji="1" lang="en-US" altLang="ja-JP" smtClean="0"/>
+              <a:rPr kumimoji="1" lang="en-US" altLang="ja-JP"/>
               <a:t>Software Defined Media</a:t>
             </a:r>
             <a:endParaRPr kumimoji="1" lang="ja-JP" altLang="en-US"/>
@@ -2404,10 +2370,9 @@
           </a:lstStyle>
           <a:p>
             <a:r>
-              <a:rPr kumimoji="1" lang="ja-JP" altLang="en-US" smtClean="0"/>
+              <a:rPr kumimoji="1" lang="ja-JP" altLang="en-US"/>
               <a:t>マスター タイトルの書式設定</a:t>
             </a:r>
-            <a:endParaRPr kumimoji="1" lang="ja-JP" altLang="en-US"/>
           </a:p>
         </p:txBody>
       </p:sp>
@@ -2524,7 +2489,7 @@
           <a:p>
             <a:pPr lvl="0"/>
             <a:r>
-              <a:rPr kumimoji="1" lang="ja-JP" altLang="en-US" smtClean="0"/>
+              <a:rPr kumimoji="1" lang="ja-JP" altLang="en-US"/>
               <a:t>マスター テキストの書式設定</a:t>
             </a:r>
           </a:p>
@@ -2546,7 +2511,7 @@
           <a:lstStyle/>
           <a:p>
             <a:r>
-              <a:rPr kumimoji="1" lang="en-US" altLang="ja-JP" smtClean="0"/>
+              <a:rPr kumimoji="1" lang="en-US" altLang="ja-JP"/>
               <a:t>2015-01-16</a:t>
             </a:r>
             <a:endParaRPr kumimoji="1" lang="ja-JP" altLang="en-US"/>
@@ -2569,7 +2534,7 @@
           <a:lstStyle/>
           <a:p>
             <a:r>
-              <a:rPr kumimoji="1" lang="en-US" altLang="ja-JP" smtClean="0"/>
+              <a:rPr kumimoji="1" lang="en-US" altLang="ja-JP"/>
               <a:t>Software Defined Media</a:t>
             </a:r>
             <a:endParaRPr kumimoji="1" lang="ja-JP" altLang="en-US"/>
@@ -2645,10 +2610,9 @@
           <a:lstStyle/>
           <a:p>
             <a:r>
-              <a:rPr kumimoji="1" lang="ja-JP" altLang="en-US" smtClean="0"/>
+              <a:rPr kumimoji="1" lang="ja-JP" altLang="en-US"/>
               <a:t>マスター タイトルの書式設定</a:t>
             </a:r>
-            <a:endParaRPr kumimoji="1" lang="ja-JP" altLang="en-US"/>
           </a:p>
         </p:txBody>
       </p:sp>
@@ -2702,70 +2666,69 @@
           <a:p>
             <a:pPr lvl="0"/>
             <a:r>
-              <a:rPr kumimoji="1" lang="ja-JP" altLang="en-US" smtClean="0"/>
+              <a:rPr kumimoji="1" lang="ja-JP" altLang="en-US"/>
               <a:t>マスター テキストの書式設定</a:t>
             </a:r>
           </a:p>
           <a:p>
             <a:pPr lvl="1"/>
             <a:r>
-              <a:rPr kumimoji="1" lang="ja-JP" altLang="en-US" smtClean="0"/>
+              <a:rPr kumimoji="1" lang="ja-JP" altLang="en-US"/>
               <a:t>第 </a:t>
             </a:r>
             <a:r>
-              <a:rPr kumimoji="1" lang="en-US" altLang="ja-JP" smtClean="0"/>
+              <a:rPr kumimoji="1" lang="en-US" altLang="ja-JP"/>
               <a:t>2 </a:t>
             </a:r>
             <a:r>
-              <a:rPr kumimoji="1" lang="ja-JP" altLang="en-US" smtClean="0"/>
+              <a:rPr kumimoji="1" lang="ja-JP" altLang="en-US"/>
               <a:t>レベル</a:t>
             </a:r>
           </a:p>
           <a:p>
             <a:pPr lvl="2"/>
             <a:r>
-              <a:rPr kumimoji="1" lang="ja-JP" altLang="en-US" smtClean="0"/>
+              <a:rPr kumimoji="1" lang="ja-JP" altLang="en-US"/>
               <a:t>第 </a:t>
             </a:r>
             <a:r>
-              <a:rPr kumimoji="1" lang="en-US" altLang="ja-JP" smtClean="0"/>
+              <a:rPr kumimoji="1" lang="en-US" altLang="ja-JP"/>
               <a:t>3 </a:t>
             </a:r>
             <a:r>
-              <a:rPr kumimoji="1" lang="ja-JP" altLang="en-US" smtClean="0"/>
+              <a:rPr kumimoji="1" lang="ja-JP" altLang="en-US"/>
               <a:t>レベル</a:t>
             </a:r>
           </a:p>
           <a:p>
             <a:pPr lvl="3"/>
             <a:r>
-              <a:rPr kumimoji="1" lang="ja-JP" altLang="en-US" smtClean="0"/>
+              <a:rPr kumimoji="1" lang="ja-JP" altLang="en-US"/>
               <a:t>第 </a:t>
             </a:r>
             <a:r>
-              <a:rPr kumimoji="1" lang="en-US" altLang="ja-JP" smtClean="0"/>
+              <a:rPr kumimoji="1" lang="en-US" altLang="ja-JP"/>
               <a:t>4 </a:t>
             </a:r>
             <a:r>
-              <a:rPr kumimoji="1" lang="ja-JP" altLang="en-US" smtClean="0"/>
+              <a:rPr kumimoji="1" lang="ja-JP" altLang="en-US"/>
               <a:t>レベル</a:t>
             </a:r>
           </a:p>
           <a:p>
             <a:pPr lvl="4"/>
             <a:r>
-              <a:rPr kumimoji="1" lang="ja-JP" altLang="en-US" smtClean="0"/>
+              <a:rPr kumimoji="1" lang="ja-JP" altLang="en-US"/>
               <a:t>第 </a:t>
             </a:r>
             <a:r>
-              <a:rPr kumimoji="1" lang="en-US" altLang="ja-JP" smtClean="0"/>
+              <a:rPr kumimoji="1" lang="en-US" altLang="ja-JP"/>
               <a:t>5 </a:t>
             </a:r>
             <a:r>
-              <a:rPr kumimoji="1" lang="ja-JP" altLang="en-US" smtClean="0"/>
+              <a:rPr kumimoji="1" lang="ja-JP" altLang="en-US"/>
               <a:t>レベル</a:t>
             </a:r>
-            <a:endParaRPr kumimoji="1" lang="ja-JP" altLang="en-US"/>
           </a:p>
         </p:txBody>
       </p:sp>
@@ -2819,70 +2782,69 @@
           <a:p>
             <a:pPr lvl="0"/>
             <a:r>
-              <a:rPr kumimoji="1" lang="ja-JP" altLang="en-US" smtClean="0"/>
+              <a:rPr kumimoji="1" lang="ja-JP" altLang="en-US"/>
               <a:t>マスター テキストの書式設定</a:t>
             </a:r>
           </a:p>
           <a:p>
             <a:pPr lvl="1"/>
             <a:r>
-              <a:rPr kumimoji="1" lang="ja-JP" altLang="en-US" smtClean="0"/>
+              <a:rPr kumimoji="1" lang="ja-JP" altLang="en-US"/>
               <a:t>第 </a:t>
             </a:r>
             <a:r>
-              <a:rPr kumimoji="1" lang="en-US" altLang="ja-JP" smtClean="0"/>
+              <a:rPr kumimoji="1" lang="en-US" altLang="ja-JP"/>
               <a:t>2 </a:t>
             </a:r>
             <a:r>
-              <a:rPr kumimoji="1" lang="ja-JP" altLang="en-US" smtClean="0"/>
+              <a:rPr kumimoji="1" lang="ja-JP" altLang="en-US"/>
               <a:t>レベル</a:t>
             </a:r>
           </a:p>
           <a:p>
             <a:pPr lvl="2"/>
             <a:r>
-              <a:rPr kumimoji="1" lang="ja-JP" altLang="en-US" smtClean="0"/>
+              <a:rPr kumimoji="1" lang="ja-JP" altLang="en-US"/>
               <a:t>第 </a:t>
             </a:r>
             <a:r>
-              <a:rPr kumimoji="1" lang="en-US" altLang="ja-JP" smtClean="0"/>
+              <a:rPr kumimoji="1" lang="en-US" altLang="ja-JP"/>
               <a:t>3 </a:t>
             </a:r>
             <a:r>
-              <a:rPr kumimoji="1" lang="ja-JP" altLang="en-US" smtClean="0"/>
+              <a:rPr kumimoji="1" lang="ja-JP" altLang="en-US"/>
               <a:t>レベル</a:t>
             </a:r>
           </a:p>
           <a:p>
             <a:pPr lvl="3"/>
             <a:r>
-              <a:rPr kumimoji="1" lang="ja-JP" altLang="en-US" smtClean="0"/>
+              <a:rPr kumimoji="1" lang="ja-JP" altLang="en-US"/>
               <a:t>第 </a:t>
             </a:r>
             <a:r>
-              <a:rPr kumimoji="1" lang="en-US" altLang="ja-JP" smtClean="0"/>
+              <a:rPr kumimoji="1" lang="en-US" altLang="ja-JP"/>
               <a:t>4 </a:t>
             </a:r>
             <a:r>
-              <a:rPr kumimoji="1" lang="ja-JP" altLang="en-US" smtClean="0"/>
+              <a:rPr kumimoji="1" lang="ja-JP" altLang="en-US"/>
               <a:t>レベル</a:t>
             </a:r>
           </a:p>
           <a:p>
             <a:pPr lvl="4"/>
             <a:r>
-              <a:rPr kumimoji="1" lang="ja-JP" altLang="en-US" smtClean="0"/>
+              <a:rPr kumimoji="1" lang="ja-JP" altLang="en-US"/>
               <a:t>第 </a:t>
             </a:r>
             <a:r>
-              <a:rPr kumimoji="1" lang="en-US" altLang="ja-JP" smtClean="0"/>
+              <a:rPr kumimoji="1" lang="en-US" altLang="ja-JP"/>
               <a:t>5 </a:t>
             </a:r>
             <a:r>
-              <a:rPr kumimoji="1" lang="ja-JP" altLang="en-US" smtClean="0"/>
+              <a:rPr kumimoji="1" lang="ja-JP" altLang="en-US"/>
               <a:t>レベル</a:t>
             </a:r>
-            <a:endParaRPr kumimoji="1" lang="ja-JP" altLang="en-US"/>
           </a:p>
         </p:txBody>
       </p:sp>
@@ -2902,7 +2864,7 @@
           <a:lstStyle/>
           <a:p>
             <a:r>
-              <a:rPr kumimoji="1" lang="en-US" altLang="ja-JP" smtClean="0"/>
+              <a:rPr kumimoji="1" lang="en-US" altLang="ja-JP"/>
               <a:t>2015-01-16</a:t>
             </a:r>
             <a:endParaRPr kumimoji="1" lang="ja-JP" altLang="en-US"/>
@@ -2925,7 +2887,7 @@
           <a:lstStyle/>
           <a:p>
             <a:r>
-              <a:rPr kumimoji="1" lang="en-US" altLang="ja-JP" smtClean="0"/>
+              <a:rPr kumimoji="1" lang="en-US" altLang="ja-JP"/>
               <a:t>Software Defined Media</a:t>
             </a:r>
             <a:endParaRPr kumimoji="1" lang="ja-JP" altLang="en-US"/>
@@ -3005,10 +2967,9 @@
           </a:lstStyle>
           <a:p>
             <a:r>
-              <a:rPr kumimoji="1" lang="ja-JP" altLang="en-US" smtClean="0"/>
+              <a:rPr kumimoji="1" lang="ja-JP" altLang="en-US"/>
               <a:t>マスター タイトルの書式設定</a:t>
             </a:r>
-            <a:endParaRPr kumimoji="1" lang="ja-JP" altLang="en-US"/>
           </a:p>
         </p:txBody>
       </p:sp>
@@ -3071,7 +3032,7 @@
           <a:p>
             <a:pPr lvl="0"/>
             <a:r>
-              <a:rPr kumimoji="1" lang="ja-JP" altLang="en-US" smtClean="0"/>
+              <a:rPr kumimoji="1" lang="ja-JP" altLang="en-US"/>
               <a:t>マスター テキストの書式設定</a:t>
             </a:r>
           </a:p>
@@ -3127,70 +3088,69 @@
           <a:p>
             <a:pPr lvl="0"/>
             <a:r>
-              <a:rPr kumimoji="1" lang="ja-JP" altLang="en-US" smtClean="0"/>
+              <a:rPr kumimoji="1" lang="ja-JP" altLang="en-US"/>
               <a:t>マスター テキストの書式設定</a:t>
             </a:r>
           </a:p>
           <a:p>
             <a:pPr lvl="1"/>
             <a:r>
-              <a:rPr kumimoji="1" lang="ja-JP" altLang="en-US" smtClean="0"/>
+              <a:rPr kumimoji="1" lang="ja-JP" altLang="en-US"/>
               <a:t>第 </a:t>
             </a:r>
             <a:r>
-              <a:rPr kumimoji="1" lang="en-US" altLang="ja-JP" smtClean="0"/>
+              <a:rPr kumimoji="1" lang="en-US" altLang="ja-JP"/>
               <a:t>2 </a:t>
             </a:r>
             <a:r>
-              <a:rPr kumimoji="1" lang="ja-JP" altLang="en-US" smtClean="0"/>
+              <a:rPr kumimoji="1" lang="ja-JP" altLang="en-US"/>
               <a:t>レベル</a:t>
             </a:r>
           </a:p>
           <a:p>
             <a:pPr lvl="2"/>
             <a:r>
-              <a:rPr kumimoji="1" lang="ja-JP" altLang="en-US" smtClean="0"/>
+              <a:rPr kumimoji="1" lang="ja-JP" altLang="en-US"/>
               <a:t>第 </a:t>
             </a:r>
             <a:r>
-              <a:rPr kumimoji="1" lang="en-US" altLang="ja-JP" smtClean="0"/>
+              <a:rPr kumimoji="1" lang="en-US" altLang="ja-JP"/>
               <a:t>3 </a:t>
             </a:r>
             <a:r>
-              <a:rPr kumimoji="1" lang="ja-JP" altLang="en-US" smtClean="0"/>
+              <a:rPr kumimoji="1" lang="ja-JP" altLang="en-US"/>
               <a:t>レベル</a:t>
             </a:r>
           </a:p>
           <a:p>
             <a:pPr lvl="3"/>
             <a:r>
-              <a:rPr kumimoji="1" lang="ja-JP" altLang="en-US" smtClean="0"/>
+              <a:rPr kumimoji="1" lang="ja-JP" altLang="en-US"/>
               <a:t>第 </a:t>
             </a:r>
             <a:r>
-              <a:rPr kumimoji="1" lang="en-US" altLang="ja-JP" smtClean="0"/>
+              <a:rPr kumimoji="1" lang="en-US" altLang="ja-JP"/>
               <a:t>4 </a:t>
             </a:r>
             <a:r>
-              <a:rPr kumimoji="1" lang="ja-JP" altLang="en-US" smtClean="0"/>
+              <a:rPr kumimoji="1" lang="ja-JP" altLang="en-US"/>
               <a:t>レベル</a:t>
             </a:r>
           </a:p>
           <a:p>
             <a:pPr lvl="4"/>
             <a:r>
-              <a:rPr kumimoji="1" lang="ja-JP" altLang="en-US" smtClean="0"/>
+              <a:rPr kumimoji="1" lang="ja-JP" altLang="en-US"/>
               <a:t>第 </a:t>
             </a:r>
             <a:r>
-              <a:rPr kumimoji="1" lang="en-US" altLang="ja-JP" smtClean="0"/>
+              <a:rPr kumimoji="1" lang="en-US" altLang="ja-JP"/>
               <a:t>5 </a:t>
             </a:r>
             <a:r>
-              <a:rPr kumimoji="1" lang="ja-JP" altLang="en-US" smtClean="0"/>
+              <a:rPr kumimoji="1" lang="ja-JP" altLang="en-US"/>
               <a:t>レベル</a:t>
             </a:r>
-            <a:endParaRPr kumimoji="1" lang="ja-JP" altLang="en-US"/>
           </a:p>
         </p:txBody>
       </p:sp>
@@ -3253,7 +3213,7 @@
           <a:p>
             <a:pPr lvl="0"/>
             <a:r>
-              <a:rPr kumimoji="1" lang="ja-JP" altLang="en-US" smtClean="0"/>
+              <a:rPr kumimoji="1" lang="ja-JP" altLang="en-US"/>
               <a:t>マスター テキストの書式設定</a:t>
             </a:r>
           </a:p>
@@ -3309,70 +3269,69 @@
           <a:p>
             <a:pPr lvl="0"/>
             <a:r>
-              <a:rPr kumimoji="1" lang="ja-JP" altLang="en-US" smtClean="0"/>
+              <a:rPr kumimoji="1" lang="ja-JP" altLang="en-US"/>
               <a:t>マスター テキストの書式設定</a:t>
             </a:r>
           </a:p>
           <a:p>
             <a:pPr lvl="1"/>
             <a:r>
-              <a:rPr kumimoji="1" lang="ja-JP" altLang="en-US" smtClean="0"/>
+              <a:rPr kumimoji="1" lang="ja-JP" altLang="en-US"/>
               <a:t>第 </a:t>
             </a:r>
             <a:r>
-              <a:rPr kumimoji="1" lang="en-US" altLang="ja-JP" smtClean="0"/>
+              <a:rPr kumimoji="1" lang="en-US" altLang="ja-JP"/>
               <a:t>2 </a:t>
             </a:r>
             <a:r>
-              <a:rPr kumimoji="1" lang="ja-JP" altLang="en-US" smtClean="0"/>
+              <a:rPr kumimoji="1" lang="ja-JP" altLang="en-US"/>
               <a:t>レベル</a:t>
             </a:r>
           </a:p>
           <a:p>
             <a:pPr lvl="2"/>
             <a:r>
-              <a:rPr kumimoji="1" lang="ja-JP" altLang="en-US" smtClean="0"/>
+              <a:rPr kumimoji="1" lang="ja-JP" altLang="en-US"/>
               <a:t>第 </a:t>
             </a:r>
             <a:r>
-              <a:rPr kumimoji="1" lang="en-US" altLang="ja-JP" smtClean="0"/>
+              <a:rPr kumimoji="1" lang="en-US" altLang="ja-JP"/>
               <a:t>3 </a:t>
             </a:r>
             <a:r>
-              <a:rPr kumimoji="1" lang="ja-JP" altLang="en-US" smtClean="0"/>
+              <a:rPr kumimoji="1" lang="ja-JP" altLang="en-US"/>
               <a:t>レベル</a:t>
             </a:r>
           </a:p>
           <a:p>
             <a:pPr lvl="3"/>
             <a:r>
-              <a:rPr kumimoji="1" lang="ja-JP" altLang="en-US" smtClean="0"/>
+              <a:rPr kumimoji="1" lang="ja-JP" altLang="en-US"/>
               <a:t>第 </a:t>
             </a:r>
             <a:r>
-              <a:rPr kumimoji="1" lang="en-US" altLang="ja-JP" smtClean="0"/>
+              <a:rPr kumimoji="1" lang="en-US" altLang="ja-JP"/>
               <a:t>4 </a:t>
             </a:r>
             <a:r>
-              <a:rPr kumimoji="1" lang="ja-JP" altLang="en-US" smtClean="0"/>
+              <a:rPr kumimoji="1" lang="ja-JP" altLang="en-US"/>
               <a:t>レベル</a:t>
             </a:r>
           </a:p>
           <a:p>
             <a:pPr lvl="4"/>
             <a:r>
-              <a:rPr kumimoji="1" lang="ja-JP" altLang="en-US" smtClean="0"/>
+              <a:rPr kumimoji="1" lang="ja-JP" altLang="en-US"/>
               <a:t>第 </a:t>
             </a:r>
             <a:r>
-              <a:rPr kumimoji="1" lang="en-US" altLang="ja-JP" smtClean="0"/>
+              <a:rPr kumimoji="1" lang="en-US" altLang="ja-JP"/>
               <a:t>5 </a:t>
             </a:r>
             <a:r>
-              <a:rPr kumimoji="1" lang="ja-JP" altLang="en-US" smtClean="0"/>
+              <a:rPr kumimoji="1" lang="ja-JP" altLang="en-US"/>
               <a:t>レベル</a:t>
             </a:r>
-            <a:endParaRPr kumimoji="1" lang="ja-JP" altLang="en-US"/>
           </a:p>
         </p:txBody>
       </p:sp>
@@ -3392,7 +3351,7 @@
           <a:lstStyle/>
           <a:p>
             <a:r>
-              <a:rPr kumimoji="1" lang="en-US" altLang="ja-JP" smtClean="0"/>
+              <a:rPr kumimoji="1" lang="en-US" altLang="ja-JP"/>
               <a:t>2015-01-16</a:t>
             </a:r>
             <a:endParaRPr kumimoji="1" lang="ja-JP" altLang="en-US"/>
@@ -3415,7 +3374,7 @@
           <a:lstStyle/>
           <a:p>
             <a:r>
-              <a:rPr kumimoji="1" lang="en-US" altLang="ja-JP" smtClean="0"/>
+              <a:rPr kumimoji="1" lang="en-US" altLang="ja-JP"/>
               <a:t>Software Defined Media</a:t>
             </a:r>
             <a:endParaRPr kumimoji="1" lang="ja-JP" altLang="en-US"/>
@@ -3500,10 +3459,9 @@
           </a:lstStyle>
           <a:p>
             <a:r>
-              <a:rPr kumimoji="1" lang="ja-JP" altLang="en-US" smtClean="0"/>
+              <a:rPr kumimoji="1" lang="ja-JP" altLang="en-US"/>
               <a:t>マスター タイトルの書式設定</a:t>
             </a:r>
-            <a:endParaRPr kumimoji="1" lang="ja-JP" altLang="en-US"/>
           </a:p>
         </p:txBody>
       </p:sp>
@@ -3557,70 +3515,69 @@
           <a:p>
             <a:pPr lvl="0"/>
             <a:r>
-              <a:rPr kumimoji="1" lang="ja-JP" altLang="en-US" smtClean="0"/>
+              <a:rPr kumimoji="1" lang="ja-JP" altLang="en-US"/>
               <a:t>マスター テキストの書式設定</a:t>
             </a:r>
           </a:p>
           <a:p>
             <a:pPr lvl="1"/>
             <a:r>
-              <a:rPr kumimoji="1" lang="ja-JP" altLang="en-US" smtClean="0"/>
+              <a:rPr kumimoji="1" lang="ja-JP" altLang="en-US"/>
               <a:t>第 </a:t>
             </a:r>
             <a:r>
-              <a:rPr kumimoji="1" lang="en-US" altLang="ja-JP" smtClean="0"/>
+              <a:rPr kumimoji="1" lang="en-US" altLang="ja-JP"/>
               <a:t>2 </a:t>
             </a:r>
             <a:r>
-              <a:rPr kumimoji="1" lang="ja-JP" altLang="en-US" smtClean="0"/>
+              <a:rPr kumimoji="1" lang="ja-JP" altLang="en-US"/>
               <a:t>レベル</a:t>
             </a:r>
           </a:p>
           <a:p>
             <a:pPr lvl="2"/>
             <a:r>
-              <a:rPr kumimoji="1" lang="ja-JP" altLang="en-US" smtClean="0"/>
+              <a:rPr kumimoji="1" lang="ja-JP" altLang="en-US"/>
               <a:t>第 </a:t>
             </a:r>
             <a:r>
-              <a:rPr kumimoji="1" lang="en-US" altLang="ja-JP" smtClean="0"/>
+              <a:rPr kumimoji="1" lang="en-US" altLang="ja-JP"/>
               <a:t>3 </a:t>
             </a:r>
             <a:r>
-              <a:rPr kumimoji="1" lang="ja-JP" altLang="en-US" smtClean="0"/>
+              <a:rPr kumimoji="1" lang="ja-JP" altLang="en-US"/>
               <a:t>レベル</a:t>
             </a:r>
           </a:p>
           <a:p>
             <a:pPr lvl="3"/>
             <a:r>
-              <a:rPr kumimoji="1" lang="ja-JP" altLang="en-US" smtClean="0"/>
+              <a:rPr kumimoji="1" lang="ja-JP" altLang="en-US"/>
               <a:t>第 </a:t>
             </a:r>
             <a:r>
-              <a:rPr kumimoji="1" lang="en-US" altLang="ja-JP" smtClean="0"/>
+              <a:rPr kumimoji="1" lang="en-US" altLang="ja-JP"/>
               <a:t>4 </a:t>
             </a:r>
             <a:r>
-              <a:rPr kumimoji="1" lang="ja-JP" altLang="en-US" smtClean="0"/>
+              <a:rPr kumimoji="1" lang="ja-JP" altLang="en-US"/>
               <a:t>レベル</a:t>
             </a:r>
           </a:p>
           <a:p>
             <a:pPr lvl="4"/>
             <a:r>
-              <a:rPr kumimoji="1" lang="ja-JP" altLang="en-US" smtClean="0"/>
+              <a:rPr kumimoji="1" lang="ja-JP" altLang="en-US"/>
               <a:t>第 </a:t>
             </a:r>
             <a:r>
-              <a:rPr kumimoji="1" lang="en-US" altLang="ja-JP" smtClean="0"/>
+              <a:rPr kumimoji="1" lang="en-US" altLang="ja-JP"/>
               <a:t>5 </a:t>
             </a:r>
             <a:r>
-              <a:rPr kumimoji="1" lang="ja-JP" altLang="en-US" smtClean="0"/>
+              <a:rPr kumimoji="1" lang="ja-JP" altLang="en-US"/>
               <a:t>レベル</a:t>
             </a:r>
-            <a:endParaRPr kumimoji="1" lang="ja-JP" altLang="en-US"/>
           </a:p>
         </p:txBody>
       </p:sp>
@@ -3683,7 +3640,7 @@
           <a:p>
             <a:pPr lvl="0"/>
             <a:r>
-              <a:rPr kumimoji="1" lang="ja-JP" altLang="en-US" smtClean="0"/>
+              <a:rPr kumimoji="1" lang="ja-JP" altLang="en-US"/>
               <a:t>マスター テキストの書式設定</a:t>
             </a:r>
           </a:p>
@@ -3705,7 +3662,7 @@
           <a:lstStyle/>
           <a:p>
             <a:r>
-              <a:rPr kumimoji="1" lang="en-US" altLang="ja-JP" smtClean="0"/>
+              <a:rPr kumimoji="1" lang="en-US" altLang="ja-JP"/>
               <a:t>2015-01-16</a:t>
             </a:r>
             <a:endParaRPr kumimoji="1" lang="ja-JP" altLang="en-US"/>
@@ -3728,7 +3685,7 @@
           <a:lstStyle/>
           <a:p>
             <a:r>
-              <a:rPr kumimoji="1" lang="en-US" altLang="ja-JP" smtClean="0"/>
+              <a:rPr kumimoji="1" lang="en-US" altLang="ja-JP"/>
               <a:t>Software Defined Media</a:t>
             </a:r>
             <a:endParaRPr kumimoji="1" lang="ja-JP" altLang="en-US"/>
@@ -3813,10 +3770,9 @@
           </a:lstStyle>
           <a:p>
             <a:r>
-              <a:rPr kumimoji="1" lang="ja-JP" altLang="en-US" smtClean="0"/>
+              <a:rPr kumimoji="1" lang="ja-JP" altLang="en-US"/>
               <a:t>マスター タイトルの書式設定</a:t>
             </a:r>
-            <a:endParaRPr kumimoji="1" lang="ja-JP" altLang="en-US"/>
           </a:p>
         </p:txBody>
       </p:sp>
@@ -3940,7 +3896,7 @@
           <a:p>
             <a:pPr lvl="0"/>
             <a:r>
-              <a:rPr kumimoji="1" lang="ja-JP" altLang="en-US" smtClean="0"/>
+              <a:rPr kumimoji="1" lang="ja-JP" altLang="en-US"/>
               <a:t>マスター テキストの書式設定</a:t>
             </a:r>
           </a:p>
@@ -3962,7 +3918,7 @@
           <a:lstStyle/>
           <a:p>
             <a:r>
-              <a:rPr kumimoji="1" lang="en-US" altLang="ja-JP" smtClean="0"/>
+              <a:rPr kumimoji="1" lang="en-US" altLang="ja-JP"/>
               <a:t>2015-01-16</a:t>
             </a:r>
             <a:endParaRPr kumimoji="1" lang="ja-JP" altLang="en-US"/>
@@ -3985,7 +3941,7 @@
           <a:lstStyle/>
           <a:p>
             <a:r>
-              <a:rPr kumimoji="1" lang="en-US" altLang="ja-JP" smtClean="0"/>
+              <a:rPr kumimoji="1" lang="en-US" altLang="ja-JP"/>
               <a:t>Software Defined Media</a:t>
             </a:r>
             <a:endParaRPr kumimoji="1" lang="ja-JP" altLang="en-US"/>
@@ -4072,7 +4028,7 @@
           </a:lstStyle>
           <a:p>
             <a:r>
-              <a:rPr kumimoji="1" lang="ja-JP" altLang="en-US" smtClean="0"/>
+              <a:rPr kumimoji="1" lang="ja-JP" altLang="en-US"/>
               <a:t>マスター タイトルの書式設定</a:t>
             </a:r>
             <a:endParaRPr kumimoji="1" lang="ja-JP" altLang="en-US" dirty="0"/>
@@ -4191,10 +4147,10 @@
           </a:lstStyle>
           <a:p>
             <a:r>
-              <a:rPr kumimoji="1" lang="ja-JP" altLang="en-US" smtClean="0"/>
+              <a:rPr kumimoji="1" lang="ja-JP" altLang="en-US"/>
               <a:t>マスター サブタイトルの書式設定</a:t>
             </a:r>
-            <a:endParaRPr kumimoji="1" lang="en-US" altLang="ja-JP" dirty="0" smtClean="0"/>
+            <a:endParaRPr kumimoji="1" lang="en-US" altLang="ja-JP" dirty="0"/>
           </a:p>
         </p:txBody>
       </p:sp>
@@ -4303,7 +4259,7 @@
           <a:p>
             <a:pPr defTabSz="914400"/>
             <a:r>
-              <a:rPr lang="en-US" altLang="ja-JP" sz="900" dirty="0" smtClean="0">
+              <a:rPr lang="en-US" altLang="ja-JP" sz="900" dirty="0">
                 <a:solidFill>
                   <a:prstClr val="black"/>
                 </a:solidFill>
@@ -4396,13 +4352,6 @@
   <p:clrMapOvr>
     <a:masterClrMapping/>
   </p:clrMapOvr>
-  <p:timing>
-    <p:tnLst>
-      <p:par>
-        <p:cTn id="1" dur="indefinite" restart="never" nodeType="tmRoot"/>
-      </p:par>
-    </p:tnLst>
-  </p:timing>
 </p:sldLayout>
 </file>
 
@@ -4491,10 +4440,9 @@
           </a:lstStyle>
           <a:p>
             <a:r>
-              <a:rPr kumimoji="1" lang="ja-JP" altLang="en-US" smtClean="0"/>
+              <a:rPr kumimoji="1" lang="ja-JP" altLang="en-US"/>
               <a:t>マスター タイトルの書式設定</a:t>
             </a:r>
-            <a:endParaRPr kumimoji="1" lang="ja-JP" altLang="en-US"/>
           </a:p>
         </p:txBody>
       </p:sp>
@@ -4529,67 +4477,67 @@
           <a:p>
             <a:pPr lvl="0"/>
             <a:r>
-              <a:rPr kumimoji="1" lang="ja-JP" altLang="en-US" smtClean="0"/>
+              <a:rPr kumimoji="1" lang="ja-JP" altLang="en-US"/>
               <a:t>マスター テキストの書式設定</a:t>
             </a:r>
           </a:p>
           <a:p>
             <a:pPr lvl="1"/>
             <a:r>
-              <a:rPr kumimoji="1" lang="ja-JP" altLang="en-US" smtClean="0"/>
+              <a:rPr kumimoji="1" lang="ja-JP" altLang="en-US"/>
               <a:t>第 </a:t>
             </a:r>
             <a:r>
-              <a:rPr kumimoji="1" lang="en-US" altLang="ja-JP" smtClean="0"/>
+              <a:rPr kumimoji="1" lang="en-US" altLang="ja-JP"/>
               <a:t>2 </a:t>
             </a:r>
             <a:r>
-              <a:rPr kumimoji="1" lang="ja-JP" altLang="en-US" smtClean="0"/>
+              <a:rPr kumimoji="1" lang="ja-JP" altLang="en-US"/>
               <a:t>レベル</a:t>
             </a:r>
           </a:p>
           <a:p>
             <a:pPr lvl="2"/>
             <a:r>
-              <a:rPr kumimoji="1" lang="ja-JP" altLang="en-US" smtClean="0"/>
+              <a:rPr kumimoji="1" lang="ja-JP" altLang="en-US"/>
               <a:t>第 </a:t>
             </a:r>
             <a:r>
-              <a:rPr kumimoji="1" lang="en-US" altLang="ja-JP" smtClean="0"/>
+              <a:rPr kumimoji="1" lang="en-US" altLang="ja-JP"/>
               <a:t>3 </a:t>
             </a:r>
             <a:r>
-              <a:rPr kumimoji="1" lang="ja-JP" altLang="en-US" smtClean="0"/>
+              <a:rPr kumimoji="1" lang="ja-JP" altLang="en-US"/>
               <a:t>レベル</a:t>
             </a:r>
           </a:p>
           <a:p>
             <a:pPr lvl="3"/>
             <a:r>
-              <a:rPr kumimoji="1" lang="ja-JP" altLang="en-US" smtClean="0"/>
+              <a:rPr kumimoji="1" lang="ja-JP" altLang="en-US"/>
               <a:t>第 </a:t>
             </a:r>
             <a:r>
-              <a:rPr kumimoji="1" lang="en-US" altLang="ja-JP" smtClean="0"/>
+              <a:rPr kumimoji="1" lang="en-US" altLang="ja-JP"/>
               <a:t>4 </a:t>
             </a:r>
             <a:r>
-              <a:rPr kumimoji="1" lang="ja-JP" altLang="en-US" smtClean="0"/>
+              <a:rPr kumimoji="1" lang="ja-JP" altLang="en-US"/>
               <a:t>レベル</a:t>
             </a:r>
           </a:p>
           <a:p>
             <a:pPr lvl="4"/>
             <a:r>
-              <a:rPr kumimoji="1" lang="ja-JP" altLang="en-US" smtClean="0"/>
+              <a:rPr kumimoji="1" lang="ja-JP" altLang="en-US"/>
               <a:t>第 </a:t>
             </a:r>
             <a:r>
-              <a:rPr kumimoji="1" lang="en-US" altLang="ja-JP" smtClean="0"/>
+              <a:rPr kumimoji="1" lang="en-US" altLang="ja-JP"/>
               <a:t>5 </a:t>
             </a:r>
             <a:r>
-              <a:rPr kumimoji="1" lang="ja-JP" altLang="en-US" smtClean="0"/>
+              <a:rPr kumimoji="1" lang="ja-JP" altLang="en-US"/>
               <a:t>レベル</a:t>
             </a:r>
             <a:endParaRPr kumimoji="1" lang="ja-JP" altLang="en-US" dirty="0"/>
@@ -4695,7 +4643,7 @@
           <a:p>
             <a:pPr defTabSz="914400"/>
             <a:r>
-              <a:rPr lang="en-US" altLang="ja-JP" sz="900" dirty="0" smtClean="0">
+              <a:rPr lang="en-US" altLang="ja-JP" sz="900" dirty="0">
                 <a:solidFill>
                   <a:prstClr val="black"/>
                 </a:solidFill>
@@ -4788,13 +4736,6 @@
   <p:clrMapOvr>
     <a:masterClrMapping/>
   </p:clrMapOvr>
-  <p:timing>
-    <p:tnLst>
-      <p:par>
-        <p:cTn id="1" dur="indefinite" restart="never" nodeType="tmRoot"/>
-      </p:par>
-    </p:tnLst>
-  </p:timing>
 </p:sldLayout>
 </file>
 
@@ -4936,10 +4877,9 @@
           <a:lstStyle/>
           <a:p>
             <a:r>
-              <a:rPr kumimoji="1" lang="ja-JP" altLang="en-US" dirty="0" smtClean="0"/>
+              <a:rPr kumimoji="1" lang="ja-JP" altLang="en-US" dirty="0"/>
               <a:t>マスター タイトルの書式設定</a:t>
             </a:r>
-            <a:endParaRPr kumimoji="1" lang="ja-JP" altLang="en-US" dirty="0"/>
           </a:p>
         </p:txBody>
       </p:sp>
@@ -4970,70 +4910,69 @@
           <a:p>
             <a:pPr lvl="0"/>
             <a:r>
-              <a:rPr kumimoji="1" lang="ja-JP" altLang="en-US" dirty="0" smtClean="0"/>
+              <a:rPr kumimoji="1" lang="ja-JP" altLang="en-US" dirty="0"/>
               <a:t>マスター テキストの書式設定</a:t>
             </a:r>
           </a:p>
           <a:p>
             <a:pPr lvl="1"/>
             <a:r>
-              <a:rPr kumimoji="1" lang="ja-JP" altLang="en-US" dirty="0" smtClean="0"/>
+              <a:rPr kumimoji="1" lang="ja-JP" altLang="en-US" dirty="0"/>
               <a:t>第 </a:t>
             </a:r>
             <a:r>
-              <a:rPr kumimoji="1" lang="en-US" altLang="ja-JP" dirty="0" smtClean="0"/>
+              <a:rPr kumimoji="1" lang="en-US" altLang="ja-JP" dirty="0"/>
               <a:t>2 </a:t>
             </a:r>
             <a:r>
-              <a:rPr kumimoji="1" lang="ja-JP" altLang="en-US" dirty="0" smtClean="0"/>
+              <a:rPr kumimoji="1" lang="ja-JP" altLang="en-US" dirty="0"/>
               <a:t>レベル</a:t>
             </a:r>
           </a:p>
           <a:p>
             <a:pPr lvl="2"/>
             <a:r>
-              <a:rPr kumimoji="1" lang="ja-JP" altLang="en-US" dirty="0" smtClean="0"/>
+              <a:rPr kumimoji="1" lang="ja-JP" altLang="en-US" dirty="0"/>
               <a:t>第 </a:t>
             </a:r>
             <a:r>
-              <a:rPr kumimoji="1" lang="en-US" altLang="ja-JP" dirty="0" smtClean="0"/>
+              <a:rPr kumimoji="1" lang="en-US" altLang="ja-JP" dirty="0"/>
               <a:t>3 </a:t>
             </a:r>
             <a:r>
-              <a:rPr kumimoji="1" lang="ja-JP" altLang="en-US" dirty="0" smtClean="0"/>
+              <a:rPr kumimoji="1" lang="ja-JP" altLang="en-US" dirty="0"/>
               <a:t>レベル</a:t>
             </a:r>
           </a:p>
           <a:p>
             <a:pPr lvl="3"/>
             <a:r>
-              <a:rPr kumimoji="1" lang="ja-JP" altLang="en-US" dirty="0" smtClean="0"/>
+              <a:rPr kumimoji="1" lang="ja-JP" altLang="en-US" dirty="0"/>
               <a:t>第 </a:t>
             </a:r>
             <a:r>
-              <a:rPr kumimoji="1" lang="en-US" altLang="ja-JP" dirty="0" smtClean="0"/>
+              <a:rPr kumimoji="1" lang="en-US" altLang="ja-JP" dirty="0"/>
               <a:t>4 </a:t>
             </a:r>
             <a:r>
-              <a:rPr kumimoji="1" lang="ja-JP" altLang="en-US" dirty="0" smtClean="0"/>
+              <a:rPr kumimoji="1" lang="ja-JP" altLang="en-US" dirty="0"/>
               <a:t>レベル</a:t>
             </a:r>
           </a:p>
           <a:p>
             <a:pPr lvl="4"/>
             <a:r>
-              <a:rPr kumimoji="1" lang="ja-JP" altLang="en-US" dirty="0" smtClean="0"/>
+              <a:rPr kumimoji="1" lang="ja-JP" altLang="en-US" dirty="0"/>
               <a:t>第 </a:t>
             </a:r>
             <a:r>
-              <a:rPr kumimoji="1" lang="en-US" altLang="ja-JP" dirty="0" smtClean="0"/>
+              <a:rPr kumimoji="1" lang="en-US" altLang="ja-JP" dirty="0"/>
               <a:t>5 </a:t>
             </a:r>
             <a:r>
-              <a:rPr kumimoji="1" lang="ja-JP" altLang="en-US" dirty="0" smtClean="0"/>
+              <a:rPr kumimoji="1" lang="ja-JP" altLang="en-US" dirty="0"/>
               <a:t>レベル</a:t>
             </a:r>
-            <a:endParaRPr kumimoji="1" lang="ja-JP" altLang="en-US" dirty="0"/>
           </a:p>
         </p:txBody>
       </p:sp>
@@ -5069,7 +5008,7 @@
           </a:lstStyle>
           <a:p>
             <a:r>
-              <a:rPr lang="en-US" altLang="ja-JP" smtClean="0"/>
+              <a:rPr lang="en-US" altLang="ja-JP"/>
               <a:t>2015-01-16</a:t>
             </a:r>
             <a:endParaRPr lang="ja-JP" altLang="en-US" dirty="0"/>
@@ -5108,7 +5047,7 @@
           </a:lstStyle>
           <a:p>
             <a:r>
-              <a:rPr lang="en-US" altLang="ja-JP" smtClean="0"/>
+              <a:rPr lang="en-US" altLang="ja-JP"/>
               <a:t>Software Defined Media</a:t>
             </a:r>
             <a:endParaRPr lang="ja-JP" altLang="en-US"/>
@@ -5474,10 +5413,9 @@
           <a:lstStyle/>
           <a:p>
             <a:r>
-              <a:rPr kumimoji="1" lang="ja-JP" altLang="en-US" dirty="0" smtClean="0"/>
+              <a:rPr kumimoji="1" lang="ja-JP" altLang="en-US" dirty="0"/>
               <a:t>マスター タイトルの書式設定</a:t>
             </a:r>
-            <a:endParaRPr kumimoji="1" lang="ja-JP" altLang="en-US" dirty="0"/>
           </a:p>
         </p:txBody>
       </p:sp>
@@ -5508,70 +5446,69 @@
           <a:p>
             <a:pPr lvl="0"/>
             <a:r>
-              <a:rPr kumimoji="1" lang="ja-JP" altLang="en-US" dirty="0" smtClean="0"/>
+              <a:rPr kumimoji="1" lang="ja-JP" altLang="en-US" dirty="0"/>
               <a:t>マスター テキストの書式設定</a:t>
             </a:r>
           </a:p>
           <a:p>
             <a:pPr lvl="1"/>
             <a:r>
-              <a:rPr kumimoji="1" lang="ja-JP" altLang="en-US" dirty="0" smtClean="0"/>
+              <a:rPr kumimoji="1" lang="ja-JP" altLang="en-US" dirty="0"/>
               <a:t>第 </a:t>
             </a:r>
             <a:r>
-              <a:rPr kumimoji="1" lang="en-US" altLang="ja-JP" dirty="0" smtClean="0"/>
+              <a:rPr kumimoji="1" lang="en-US" altLang="ja-JP" dirty="0"/>
               <a:t>2 </a:t>
             </a:r>
             <a:r>
-              <a:rPr kumimoji="1" lang="ja-JP" altLang="en-US" dirty="0" smtClean="0"/>
+              <a:rPr kumimoji="1" lang="ja-JP" altLang="en-US" dirty="0"/>
               <a:t>レベル</a:t>
             </a:r>
           </a:p>
           <a:p>
             <a:pPr lvl="2"/>
             <a:r>
-              <a:rPr kumimoji="1" lang="ja-JP" altLang="en-US" dirty="0" smtClean="0"/>
+              <a:rPr kumimoji="1" lang="ja-JP" altLang="en-US" dirty="0"/>
               <a:t>第 </a:t>
             </a:r>
             <a:r>
-              <a:rPr kumimoji="1" lang="en-US" altLang="ja-JP" dirty="0" smtClean="0"/>
+              <a:rPr kumimoji="1" lang="en-US" altLang="ja-JP" dirty="0"/>
               <a:t>3 </a:t>
             </a:r>
             <a:r>
-              <a:rPr kumimoji="1" lang="ja-JP" altLang="en-US" dirty="0" smtClean="0"/>
+              <a:rPr kumimoji="1" lang="ja-JP" altLang="en-US" dirty="0"/>
               <a:t>レベル</a:t>
             </a:r>
           </a:p>
           <a:p>
             <a:pPr lvl="3"/>
             <a:r>
-              <a:rPr kumimoji="1" lang="ja-JP" altLang="en-US" dirty="0" smtClean="0"/>
+              <a:rPr kumimoji="1" lang="ja-JP" altLang="en-US" dirty="0"/>
               <a:t>第 </a:t>
             </a:r>
             <a:r>
-              <a:rPr kumimoji="1" lang="en-US" altLang="ja-JP" dirty="0" smtClean="0"/>
+              <a:rPr kumimoji="1" lang="en-US" altLang="ja-JP" dirty="0"/>
               <a:t>4 </a:t>
             </a:r>
             <a:r>
-              <a:rPr kumimoji="1" lang="ja-JP" altLang="en-US" dirty="0" smtClean="0"/>
+              <a:rPr kumimoji="1" lang="ja-JP" altLang="en-US" dirty="0"/>
               <a:t>レベル</a:t>
             </a:r>
           </a:p>
           <a:p>
             <a:pPr lvl="4"/>
             <a:r>
-              <a:rPr kumimoji="1" lang="ja-JP" altLang="en-US" dirty="0" smtClean="0"/>
+              <a:rPr kumimoji="1" lang="ja-JP" altLang="en-US" dirty="0"/>
               <a:t>第 </a:t>
             </a:r>
             <a:r>
-              <a:rPr kumimoji="1" lang="en-US" altLang="ja-JP" dirty="0" smtClean="0"/>
+              <a:rPr kumimoji="1" lang="en-US" altLang="ja-JP" dirty="0"/>
               <a:t>5 </a:t>
             </a:r>
             <a:r>
-              <a:rPr kumimoji="1" lang="ja-JP" altLang="en-US" dirty="0" smtClean="0"/>
+              <a:rPr kumimoji="1" lang="ja-JP" altLang="en-US" dirty="0"/>
               <a:t>レベル</a:t>
             </a:r>
-            <a:endParaRPr kumimoji="1" lang="ja-JP" altLang="en-US" dirty="0"/>
           </a:p>
         </p:txBody>
       </p:sp>
@@ -5610,7 +5547,7 @@
           <a:p>
             <a:pPr defTabSz="914400"/>
             <a:r>
-              <a:rPr lang="en-US" altLang="ja-JP" smtClean="0">
+              <a:rPr lang="en-US" altLang="ja-JP">
                 <a:solidFill>
                   <a:prstClr val="black">
                     <a:tint val="75000"/>
@@ -5668,7 +5605,7 @@
           <a:p>
             <a:pPr defTabSz="914400"/>
             <a:r>
-              <a:rPr lang="en-US" altLang="ja-JP" smtClean="0">
+              <a:rPr lang="en-US" altLang="ja-JP">
                 <a:solidFill>
                   <a:prstClr val="black">
                     <a:tint val="75000"/>
@@ -5763,13 +5700,6 @@
     <p:sldLayoutId id="2147483660" r:id="rId2"/>
     <p:sldLayoutId id="2147483661" r:id="rId3"/>
   </p:sldLayoutIdLst>
-  <p:timing>
-    <p:tnLst>
-      <p:par>
-        <p:cTn id="1" dur="indefinite" restart="never" nodeType="tmRoot"/>
-      </p:par>
-    </p:tnLst>
-  </p:timing>
   <p:hf hdr="0"/>
   <p:txStyles>
     <p:titleStyle>
@@ -6072,10 +6002,9 @@
           <a:lstStyle/>
           <a:p>
             <a:r>
-              <a:rPr kumimoji="1" lang="ja-JP" altLang="en-US" dirty="0" smtClean="0"/>
+              <a:rPr kumimoji="1" lang="ja-JP" altLang="en-US" dirty="0"/>
               <a:t>マスター タイトルの書式設定</a:t>
             </a:r>
-            <a:endParaRPr kumimoji="1" lang="ja-JP" altLang="en-US" dirty="0"/>
           </a:p>
         </p:txBody>
       </p:sp>
@@ -6106,70 +6035,69 @@
           <a:p>
             <a:pPr lvl="0"/>
             <a:r>
-              <a:rPr kumimoji="1" lang="ja-JP" altLang="en-US" dirty="0" smtClean="0"/>
+              <a:rPr kumimoji="1" lang="ja-JP" altLang="en-US" dirty="0"/>
               <a:t>マスター テキストの書式設定</a:t>
             </a:r>
           </a:p>
           <a:p>
             <a:pPr lvl="1"/>
             <a:r>
-              <a:rPr kumimoji="1" lang="ja-JP" altLang="en-US" dirty="0" smtClean="0"/>
+              <a:rPr kumimoji="1" lang="ja-JP" altLang="en-US" dirty="0"/>
               <a:t>第 </a:t>
             </a:r>
             <a:r>
-              <a:rPr kumimoji="1" lang="en-US" altLang="ja-JP" dirty="0" smtClean="0"/>
+              <a:rPr kumimoji="1" lang="en-US" altLang="ja-JP" dirty="0"/>
               <a:t>2 </a:t>
             </a:r>
             <a:r>
-              <a:rPr kumimoji="1" lang="ja-JP" altLang="en-US" dirty="0" smtClean="0"/>
+              <a:rPr kumimoji="1" lang="ja-JP" altLang="en-US" dirty="0"/>
               <a:t>レベル</a:t>
             </a:r>
           </a:p>
           <a:p>
             <a:pPr lvl="2"/>
             <a:r>
-              <a:rPr kumimoji="1" lang="ja-JP" altLang="en-US" dirty="0" smtClean="0"/>
+              <a:rPr kumimoji="1" lang="ja-JP" altLang="en-US" dirty="0"/>
               <a:t>第 </a:t>
             </a:r>
             <a:r>
-              <a:rPr kumimoji="1" lang="en-US" altLang="ja-JP" dirty="0" smtClean="0"/>
+              <a:rPr kumimoji="1" lang="en-US" altLang="ja-JP" dirty="0"/>
               <a:t>3 </a:t>
             </a:r>
             <a:r>
-              <a:rPr kumimoji="1" lang="ja-JP" altLang="en-US" dirty="0" smtClean="0"/>
+              <a:rPr kumimoji="1" lang="ja-JP" altLang="en-US" dirty="0"/>
               <a:t>レベル</a:t>
             </a:r>
           </a:p>
           <a:p>
             <a:pPr lvl="3"/>
             <a:r>
-              <a:rPr kumimoji="1" lang="ja-JP" altLang="en-US" dirty="0" smtClean="0"/>
+              <a:rPr kumimoji="1" lang="ja-JP" altLang="en-US" dirty="0"/>
               <a:t>第 </a:t>
             </a:r>
             <a:r>
-              <a:rPr kumimoji="1" lang="en-US" altLang="ja-JP" dirty="0" smtClean="0"/>
+              <a:rPr kumimoji="1" lang="en-US" altLang="ja-JP" dirty="0"/>
               <a:t>4 </a:t>
             </a:r>
             <a:r>
-              <a:rPr kumimoji="1" lang="ja-JP" altLang="en-US" dirty="0" smtClean="0"/>
+              <a:rPr kumimoji="1" lang="ja-JP" altLang="en-US" dirty="0"/>
               <a:t>レベル</a:t>
             </a:r>
           </a:p>
           <a:p>
             <a:pPr lvl="4"/>
             <a:r>
-              <a:rPr kumimoji="1" lang="ja-JP" altLang="en-US" dirty="0" smtClean="0"/>
+              <a:rPr kumimoji="1" lang="ja-JP" altLang="en-US" dirty="0"/>
               <a:t>第 </a:t>
             </a:r>
             <a:r>
-              <a:rPr kumimoji="1" lang="en-US" altLang="ja-JP" dirty="0" smtClean="0"/>
+              <a:rPr kumimoji="1" lang="en-US" altLang="ja-JP" dirty="0"/>
               <a:t>5 </a:t>
             </a:r>
             <a:r>
-              <a:rPr kumimoji="1" lang="ja-JP" altLang="en-US" dirty="0" smtClean="0"/>
+              <a:rPr kumimoji="1" lang="ja-JP" altLang="en-US" dirty="0"/>
               <a:t>レベル</a:t>
             </a:r>
-            <a:endParaRPr kumimoji="1" lang="ja-JP" altLang="en-US" dirty="0"/>
           </a:p>
         </p:txBody>
       </p:sp>
@@ -6208,7 +6136,7 @@
           <a:p>
             <a:pPr defTabSz="914400"/>
             <a:r>
-              <a:rPr lang="en-US" altLang="ja-JP" smtClean="0">
+              <a:rPr lang="en-US" altLang="ja-JP">
                 <a:solidFill>
                   <a:prstClr val="black">
                     <a:tint val="75000"/>
@@ -6266,7 +6194,7 @@
           <a:p>
             <a:pPr defTabSz="914400"/>
             <a:r>
-              <a:rPr lang="en-US" altLang="ja-JP" smtClean="0">
+              <a:rPr lang="en-US" altLang="ja-JP">
                 <a:solidFill>
                   <a:prstClr val="black">
                     <a:tint val="75000"/>
@@ -6361,13 +6289,6 @@
     <p:sldLayoutId id="2147483664" r:id="rId2"/>
     <p:sldLayoutId id="2147483665" r:id="rId3"/>
   </p:sldLayoutIdLst>
-  <p:timing>
-    <p:tnLst>
-      <p:par>
-        <p:cTn id="1" dur="indefinite" restart="never" nodeType="tmRoot"/>
-      </p:par>
-    </p:tnLst>
-  </p:timing>
   <p:hf hdr="0"/>
   <p:txStyles>
     <p:titleStyle>
@@ -6667,11 +6588,11 @@
               </a:lnSpc>
             </a:pPr>
             <a:r>
-              <a:rPr kumimoji="1" lang="en-US" altLang="ja-JP" sz="6600" b="1" dirty="0" smtClean="0"/>
+              <a:rPr kumimoji="1" lang="en-US" altLang="ja-JP" sz="6600" b="1" dirty="0"/>
               <a:t>S</a:t>
             </a:r>
             <a:r>
-              <a:rPr kumimoji="1" lang="en-US" altLang="ja-JP" sz="6600" dirty="0" smtClean="0"/>
+              <a:rPr kumimoji="1" lang="en-US" altLang="ja-JP" sz="6600" dirty="0"/>
               <a:t>oftware</a:t>
             </a:r>
           </a:p>
@@ -6682,11 +6603,11 @@
               </a:lnSpc>
             </a:pPr>
             <a:r>
-              <a:rPr lang="en-US" altLang="ja-JP" sz="6600" b="1" dirty="0" smtClean="0"/>
+              <a:rPr lang="en-US" altLang="ja-JP" sz="6600" b="1" dirty="0"/>
               <a:t>D</a:t>
             </a:r>
             <a:r>
-              <a:rPr lang="en-US" altLang="ja-JP" sz="6600" dirty="0" smtClean="0"/>
+              <a:rPr lang="en-US" altLang="ja-JP" sz="6600" dirty="0"/>
               <a:t>efined</a:t>
             </a:r>
           </a:p>
@@ -6697,11 +6618,11 @@
               </a:lnSpc>
             </a:pPr>
             <a:r>
-              <a:rPr kumimoji="1" lang="en-US" altLang="ja-JP" sz="6600" b="1" dirty="0" smtClean="0"/>
+              <a:rPr kumimoji="1" lang="en-US" altLang="ja-JP" sz="6600" b="1" dirty="0"/>
               <a:t>M</a:t>
             </a:r>
             <a:r>
-              <a:rPr kumimoji="1" lang="en-US" altLang="ja-JP" sz="6600" dirty="0" smtClean="0"/>
+              <a:rPr kumimoji="1" lang="en-US" altLang="ja-JP" sz="6600" dirty="0"/>
               <a:t>edia</a:t>
             </a:r>
             <a:endParaRPr kumimoji="1" lang="ja-JP" altLang="en-US" sz="6600" dirty="0"/>
@@ -6766,7 +6687,7 @@
               </a:lnSpc>
             </a:pPr>
             <a:r>
-              <a:rPr kumimoji="1" lang="en-US" altLang="ja-JP" sz="19900" b="1" dirty="0" smtClean="0">
+              <a:rPr kumimoji="1" lang="en-US" altLang="ja-JP" sz="19900" b="1" dirty="0">
                 <a:latin typeface="Abadi MT Condensed Light"/>
                 <a:cs typeface="Abadi MT Condensed Light"/>
               </a:rPr>
@@ -6837,7 +6758,7 @@
               </a:lnSpc>
             </a:pPr>
             <a:r>
-              <a:rPr kumimoji="1" lang="en-US" altLang="ja-JP" sz="19900" dirty="0" smtClean="0">
+              <a:rPr kumimoji="1" lang="en-US" altLang="ja-JP" sz="19900" dirty="0">
                 <a:latin typeface="Impact"/>
                 <a:cs typeface="Impact"/>
               </a:rPr>
@@ -8348,6 +8269,55 @@
           <a:chExt cx="0" cy="0"/>
         </a:xfrm>
       </p:grpSpPr>
+      <p:sp>
+        <p:nvSpPr>
+          <p:cNvPr id="2" name="Rectangle 1">
+            <a:extLst>
+              <a:ext uri="{FF2B5EF4-FFF2-40B4-BE49-F238E27FC236}">
+                <a16:creationId xmlns:a16="http://schemas.microsoft.com/office/drawing/2014/main" id="{06483E1A-F6D5-2648-B379-27DA0B08CBFF}"/>
+              </a:ext>
+            </a:extLst>
+          </p:cNvPr>
+          <p:cNvSpPr/>
+          <p:nvPr/>
+        </p:nvSpPr>
+        <p:spPr>
+          <a:xfrm>
+            <a:off x="351692" y="242987"/>
+            <a:ext cx="7436694" cy="1400375"/>
+          </a:xfrm>
+          <a:prstGeom prst="rect">
+            <a:avLst/>
+          </a:prstGeom>
+          <a:solidFill>
+            <a:schemeClr val="tx1"/>
+          </a:solidFill>
+        </p:spPr>
+        <p:style>
+          <a:lnRef idx="2">
+            <a:schemeClr val="accent1">
+              <a:shade val="50000"/>
+            </a:schemeClr>
+          </a:lnRef>
+          <a:fillRef idx="1">
+            <a:schemeClr val="accent1"/>
+          </a:fillRef>
+          <a:effectRef idx="0">
+            <a:schemeClr val="accent1"/>
+          </a:effectRef>
+          <a:fontRef idx="minor">
+            <a:schemeClr val="lt1"/>
+          </a:fontRef>
+        </p:style>
+        <p:txBody>
+          <a:bodyPr rtlCol="0" anchor="ctr"/>
+          <a:lstStyle/>
+          <a:p>
+            <a:pPr algn="ctr"/>
+            <a:endParaRPr lang="en-US"/>
+          </a:p>
+        </p:txBody>
+      </p:sp>
       <p:cxnSp>
         <p:nvCxnSpPr>
           <p:cNvPr id="21" name="直線コネクタ 3"/>
@@ -8443,35 +8413,35 @@
               </a:lnSpc>
             </a:pPr>
             <a:r>
-              <a:rPr lang="en-US" altLang="ja-JP" sz="6000" b="1" dirty="0" err="1" smtClean="0">
+              <a:rPr lang="en-US" altLang="ja-JP" sz="6000" b="1" dirty="0" err="1">
                 <a:latin typeface="Abadi MT Condensed Light"/>
                 <a:cs typeface="Abadi MT Condensed Light"/>
               </a:rPr>
               <a:t>oftware</a:t>
             </a:r>
             <a:r>
-              <a:rPr lang="en-US" altLang="ja-JP" sz="6000" b="1" dirty="0" smtClean="0">
+              <a:rPr lang="en-US" altLang="ja-JP" sz="6000" b="1" dirty="0">
                 <a:latin typeface="Abadi MT Condensed Light"/>
                 <a:cs typeface="Abadi MT Condensed Light"/>
               </a:rPr>
               <a:t>   </a:t>
             </a:r>
             <a:r>
-              <a:rPr lang="en-US" altLang="ja-JP" sz="6000" b="1" dirty="0" err="1" smtClean="0">
+              <a:rPr lang="en-US" altLang="ja-JP" sz="6000" b="1" dirty="0" err="1">
                 <a:latin typeface="Abadi MT Condensed Light"/>
                 <a:cs typeface="Abadi MT Condensed Light"/>
               </a:rPr>
               <a:t>efined</a:t>
             </a:r>
             <a:r>
-              <a:rPr lang="en-US" altLang="ja-JP" sz="6000" b="1" dirty="0" smtClean="0">
+              <a:rPr lang="en-US" altLang="ja-JP" sz="6000" b="1" dirty="0">
                 <a:latin typeface="Abadi MT Condensed Light"/>
                 <a:cs typeface="Abadi MT Condensed Light"/>
               </a:rPr>
               <a:t>    </a:t>
             </a:r>
             <a:r>
-              <a:rPr lang="en-US" altLang="ja-JP" sz="6000" b="1" dirty="0" err="1" smtClean="0">
+              <a:rPr lang="en-US" altLang="ja-JP" sz="6000" b="1" dirty="0" err="1">
                 <a:latin typeface="Abadi MT Condensed Light"/>
                 <a:cs typeface="Abadi MT Condensed Light"/>
               </a:rPr>
@@ -9201,17 +9171,834 @@
           <a:lstStyle/>
           <a:p>
             <a:r>
-              <a:rPr lang="en-US" dirty="0" smtClean="0"/>
+              <a:rPr lang="en-US" dirty="0"/>
               <a:t>.</a:t>
             </a:r>
             <a:r>
-              <a:rPr lang="en-US" dirty="0" err="1" smtClean="0"/>
+              <a:rPr lang="en-US" dirty="0" err="1"/>
               <a:t>png</a:t>
             </a:r>
             <a:endParaRPr lang="en-US" dirty="0"/>
           </a:p>
         </p:txBody>
       </p:sp>
+      <p:sp>
+        <p:nvSpPr>
+          <p:cNvPr id="17" name="Rectangle 16">
+            <a:extLst>
+              <a:ext uri="{FF2B5EF4-FFF2-40B4-BE49-F238E27FC236}">
+                <a16:creationId xmlns:a16="http://schemas.microsoft.com/office/drawing/2014/main" id="{24DD270E-085D-A441-A085-F46FBEC4FBC9}"/>
+              </a:ext>
+            </a:extLst>
+          </p:cNvPr>
+          <p:cNvSpPr/>
+          <p:nvPr/>
+        </p:nvSpPr>
+        <p:spPr>
+          <a:xfrm>
+            <a:off x="1012928" y="641713"/>
+            <a:ext cx="5980996" cy="799642"/>
+          </a:xfrm>
+          <a:prstGeom prst="rect">
+            <a:avLst/>
+          </a:prstGeom>
+        </p:spPr>
+        <p:txBody>
+          <a:bodyPr wrap="none">
+            <a:spAutoFit/>
+          </a:bodyPr>
+          <a:lstStyle/>
+          <a:p>
+            <a:pPr algn="dist">
+              <a:lnSpc>
+                <a:spcPct val="70000"/>
+              </a:lnSpc>
+            </a:pPr>
+            <a:r>
+              <a:rPr lang="en-US" altLang="ja-JP" sz="6000" b="1" dirty="0" err="1">
+                <a:solidFill>
+                  <a:schemeClr val="bg1"/>
+                </a:solidFill>
+                <a:latin typeface="Abadi MT Condensed Light"/>
+                <a:cs typeface="Abadi MT Condensed Light"/>
+              </a:rPr>
+              <a:t>oftware</a:t>
+            </a:r>
+            <a:r>
+              <a:rPr lang="en-US" altLang="ja-JP" sz="6000" b="1" dirty="0">
+                <a:solidFill>
+                  <a:schemeClr val="bg1"/>
+                </a:solidFill>
+                <a:latin typeface="Abadi MT Condensed Light"/>
+                <a:cs typeface="Abadi MT Condensed Light"/>
+              </a:rPr>
+              <a:t>   </a:t>
+            </a:r>
+            <a:r>
+              <a:rPr lang="en-US" altLang="ja-JP" sz="6000" b="1" dirty="0" err="1">
+                <a:solidFill>
+                  <a:schemeClr val="bg1"/>
+                </a:solidFill>
+                <a:latin typeface="Abadi MT Condensed Light"/>
+                <a:cs typeface="Abadi MT Condensed Light"/>
+              </a:rPr>
+              <a:t>efined</a:t>
+            </a:r>
+            <a:r>
+              <a:rPr lang="en-US" altLang="ja-JP" sz="6000" b="1" dirty="0">
+                <a:solidFill>
+                  <a:schemeClr val="bg1"/>
+                </a:solidFill>
+                <a:latin typeface="Abadi MT Condensed Light"/>
+                <a:cs typeface="Abadi MT Condensed Light"/>
+              </a:rPr>
+              <a:t>    </a:t>
+            </a:r>
+            <a:r>
+              <a:rPr lang="en-US" altLang="ja-JP" sz="6000" b="1" dirty="0" err="1">
+                <a:solidFill>
+                  <a:schemeClr val="bg1"/>
+                </a:solidFill>
+                <a:latin typeface="Abadi MT Condensed Light"/>
+                <a:cs typeface="Abadi MT Condensed Light"/>
+              </a:rPr>
+              <a:t>edia</a:t>
+            </a:r>
+            <a:endParaRPr lang="ja-JP" altLang="en-US" sz="6000" dirty="0">
+              <a:solidFill>
+                <a:schemeClr val="bg1"/>
+              </a:solidFill>
+              <a:latin typeface="Abadi MT Condensed Light"/>
+              <a:cs typeface="Abadi MT Condensed Light"/>
+            </a:endParaRPr>
+          </a:p>
+        </p:txBody>
+      </p:sp>
+      <p:sp>
+        <p:nvSpPr>
+          <p:cNvPr id="18" name="フリーフォーム 11">
+            <a:extLst>
+              <a:ext uri="{FF2B5EF4-FFF2-40B4-BE49-F238E27FC236}">
+                <a16:creationId xmlns:a16="http://schemas.microsoft.com/office/drawing/2014/main" id="{67D6CA14-162C-8B49-9A26-ED121AC285CB}"/>
+              </a:ext>
+            </a:extLst>
+          </p:cNvPr>
+          <p:cNvSpPr/>
+          <p:nvPr/>
+        </p:nvSpPr>
+        <p:spPr>
+          <a:xfrm flipV="1">
+            <a:off x="5292244" y="536394"/>
+            <a:ext cx="487959" cy="681423"/>
+          </a:xfrm>
+          <a:custGeom>
+            <a:avLst/>
+            <a:gdLst>
+              <a:gd name="connsiteX0" fmla="*/ 0 w 3142297"/>
+              <a:gd name="connsiteY0" fmla="*/ 105837 h 4388143"/>
+              <a:gd name="connsiteX1" fmla="*/ 553566 w 3142297"/>
+              <a:gd name="connsiteY1" fmla="*/ 113978 h 4388143"/>
+              <a:gd name="connsiteX2" fmla="*/ 1066427 w 3142297"/>
+              <a:gd name="connsiteY2" fmla="*/ 2124871 h 4388143"/>
+              <a:gd name="connsiteX3" fmla="*/ 1571149 w 3142297"/>
+              <a:gd name="connsiteY3" fmla="*/ 0 h 4388143"/>
+              <a:gd name="connsiteX4" fmla="*/ 2092151 w 3142297"/>
+              <a:gd name="connsiteY4" fmla="*/ 2165577 h 4388143"/>
+              <a:gd name="connsiteX5" fmla="*/ 2605013 w 3142297"/>
+              <a:gd name="connsiteY5" fmla="*/ 105837 h 4388143"/>
+              <a:gd name="connsiteX6" fmla="*/ 3142297 w 3142297"/>
+              <a:gd name="connsiteY6" fmla="*/ 122119 h 4388143"/>
+              <a:gd name="connsiteX7" fmla="*/ 2084010 w 3142297"/>
+              <a:gd name="connsiteY7" fmla="*/ 4388143 h 4388143"/>
+              <a:gd name="connsiteX8" fmla="*/ 1571149 w 3142297"/>
+              <a:gd name="connsiteY8" fmla="*/ 2263272 h 4388143"/>
+              <a:gd name="connsiteX9" fmla="*/ 1058287 w 3142297"/>
+              <a:gd name="connsiteY9" fmla="*/ 4363719 h 4388143"/>
+              <a:gd name="connsiteX10" fmla="*/ 0 w 3142297"/>
+              <a:gd name="connsiteY10" fmla="*/ 105837 h 4388143"/>
+            </a:gdLst>
+            <a:ahLst/>
+            <a:cxnLst>
+              <a:cxn ang="0">
+                <a:pos x="connsiteX0" y="connsiteY0"/>
+              </a:cxn>
+              <a:cxn ang="0">
+                <a:pos x="connsiteX1" y="connsiteY1"/>
+              </a:cxn>
+              <a:cxn ang="0">
+                <a:pos x="connsiteX2" y="connsiteY2"/>
+              </a:cxn>
+              <a:cxn ang="0">
+                <a:pos x="connsiteX3" y="connsiteY3"/>
+              </a:cxn>
+              <a:cxn ang="0">
+                <a:pos x="connsiteX4" y="connsiteY4"/>
+              </a:cxn>
+              <a:cxn ang="0">
+                <a:pos x="connsiteX5" y="connsiteY5"/>
+              </a:cxn>
+              <a:cxn ang="0">
+                <a:pos x="connsiteX6" y="connsiteY6"/>
+              </a:cxn>
+              <a:cxn ang="0">
+                <a:pos x="connsiteX7" y="connsiteY7"/>
+              </a:cxn>
+              <a:cxn ang="0">
+                <a:pos x="connsiteX8" y="connsiteY8"/>
+              </a:cxn>
+              <a:cxn ang="0">
+                <a:pos x="connsiteX9" y="connsiteY9"/>
+              </a:cxn>
+              <a:cxn ang="0">
+                <a:pos x="connsiteX10" y="connsiteY10"/>
+              </a:cxn>
+            </a:cxnLst>
+            <a:rect l="l" t="t" r="r" b="b"/>
+            <a:pathLst>
+              <a:path w="3142297" h="4388143">
+                <a:moveTo>
+                  <a:pt x="0" y="105837"/>
+                </a:moveTo>
+                <a:lnTo>
+                  <a:pt x="553566" y="113978"/>
+                </a:lnTo>
+                <a:lnTo>
+                  <a:pt x="1066427" y="2124871"/>
+                </a:lnTo>
+                <a:lnTo>
+                  <a:pt x="1571149" y="0"/>
+                </a:lnTo>
+                <a:lnTo>
+                  <a:pt x="2092151" y="2165577"/>
+                </a:lnTo>
+                <a:lnTo>
+                  <a:pt x="2605013" y="105837"/>
+                </a:lnTo>
+                <a:lnTo>
+                  <a:pt x="3142297" y="122119"/>
+                </a:lnTo>
+                <a:lnTo>
+                  <a:pt x="2084010" y="4388143"/>
+                </a:lnTo>
+                <a:lnTo>
+                  <a:pt x="1571149" y="2263272"/>
+                </a:lnTo>
+                <a:lnTo>
+                  <a:pt x="1058287" y="4363719"/>
+                </a:lnTo>
+                <a:lnTo>
+                  <a:pt x="0" y="105837"/>
+                </a:lnTo>
+                <a:close/>
+              </a:path>
+            </a:pathLst>
+          </a:custGeom>
+          <a:solidFill>
+            <a:schemeClr val="tx1"/>
+          </a:solidFill>
+          <a:ln>
+            <a:noFill/>
+          </a:ln>
+          <a:effectLst/>
+        </p:spPr>
+        <p:style>
+          <a:lnRef idx="1">
+            <a:schemeClr val="accent1"/>
+          </a:lnRef>
+          <a:fillRef idx="3">
+            <a:schemeClr val="accent1"/>
+          </a:fillRef>
+          <a:effectRef idx="2">
+            <a:schemeClr val="accent1"/>
+          </a:effectRef>
+          <a:fontRef idx="minor">
+            <a:schemeClr val="lt1"/>
+          </a:fontRef>
+        </p:style>
+        <p:txBody>
+          <a:bodyPr rtlCol="0" anchor="ctr"/>
+          <a:lstStyle/>
+          <a:p>
+            <a:pPr algn="ctr"/>
+            <a:endParaRPr kumimoji="1" lang="ja-JP" altLang="en-US"/>
+          </a:p>
+        </p:txBody>
+      </p:sp>
+      <p:grpSp>
+        <p:nvGrpSpPr>
+          <p:cNvPr id="19" name="Group 18">
+            <a:extLst>
+              <a:ext uri="{FF2B5EF4-FFF2-40B4-BE49-F238E27FC236}">
+                <a16:creationId xmlns:a16="http://schemas.microsoft.com/office/drawing/2014/main" id="{131A0781-70DE-2945-85D0-61584D735E6F}"/>
+              </a:ext>
+            </a:extLst>
+          </p:cNvPr>
+          <p:cNvGrpSpPr/>
+          <p:nvPr/>
+        </p:nvGrpSpPr>
+        <p:grpSpPr>
+          <a:xfrm>
+            <a:off x="3249026" y="545244"/>
+            <a:ext cx="265497" cy="672573"/>
+            <a:chOff x="1819692" y="2011300"/>
+            <a:chExt cx="265497" cy="672573"/>
+          </a:xfrm>
+        </p:grpSpPr>
+        <p:sp>
+          <p:nvSpPr>
+            <p:cNvPr id="20" name="フリーフォーム 12">
+              <a:extLst>
+                <a:ext uri="{FF2B5EF4-FFF2-40B4-BE49-F238E27FC236}">
+                  <a16:creationId xmlns:a16="http://schemas.microsoft.com/office/drawing/2014/main" id="{4DDDF6E5-5A30-574D-97F8-4A647338201B}"/>
+                </a:ext>
+              </a:extLst>
+            </p:cNvPr>
+            <p:cNvSpPr/>
+            <p:nvPr/>
+          </p:nvSpPr>
+          <p:spPr>
+            <a:xfrm>
+              <a:off x="1819692" y="2011300"/>
+              <a:ext cx="265497" cy="672573"/>
+            </a:xfrm>
+            <a:custGeom>
+              <a:avLst/>
+              <a:gdLst>
+                <a:gd name="connsiteX0" fmla="*/ 0 w 1709539"/>
+                <a:gd name="connsiteY0" fmla="*/ 0 h 4331154"/>
+                <a:gd name="connsiteX1" fmla="*/ 16281 w 1709539"/>
+                <a:gd name="connsiteY1" fmla="*/ 4331154 h 4331154"/>
+                <a:gd name="connsiteX2" fmla="*/ 1709539 w 1709539"/>
+                <a:gd name="connsiteY2" fmla="*/ 2100447 h 4331154"/>
+                <a:gd name="connsiteX3" fmla="*/ 0 w 1709539"/>
+                <a:gd name="connsiteY3" fmla="*/ 0 h 4331154"/>
+                <a:gd name="connsiteX0" fmla="*/ 0 w 1709542"/>
+                <a:gd name="connsiteY0" fmla="*/ 51206 h 4425804"/>
+                <a:gd name="connsiteX1" fmla="*/ 16281 w 1709542"/>
+                <a:gd name="connsiteY1" fmla="*/ 4382360 h 4425804"/>
+                <a:gd name="connsiteX2" fmla="*/ 1709539 w 1709542"/>
+                <a:gd name="connsiteY2" fmla="*/ 2151653 h 4425804"/>
+                <a:gd name="connsiteX3" fmla="*/ 0 w 1709542"/>
+                <a:gd name="connsiteY3" fmla="*/ 51206 h 4425804"/>
+                <a:gd name="connsiteX0" fmla="*/ 0 w 1709634"/>
+                <a:gd name="connsiteY0" fmla="*/ 71620 h 4462730"/>
+                <a:gd name="connsiteX1" fmla="*/ 16281 w 1709634"/>
+                <a:gd name="connsiteY1" fmla="*/ 4402774 h 4462730"/>
+                <a:gd name="connsiteX2" fmla="*/ 1709539 w 1709634"/>
+                <a:gd name="connsiteY2" fmla="*/ 2172067 h 4462730"/>
+                <a:gd name="connsiteX3" fmla="*/ 0 w 1709634"/>
+                <a:gd name="connsiteY3" fmla="*/ 71620 h 4462730"/>
+                <a:gd name="connsiteX0" fmla="*/ 0 w 1709646"/>
+                <a:gd name="connsiteY0" fmla="*/ 1299 h 4392409"/>
+                <a:gd name="connsiteX1" fmla="*/ 16281 w 1709646"/>
+                <a:gd name="connsiteY1" fmla="*/ 4332453 h 4392409"/>
+                <a:gd name="connsiteX2" fmla="*/ 1709539 w 1709646"/>
+                <a:gd name="connsiteY2" fmla="*/ 2101746 h 4392409"/>
+                <a:gd name="connsiteX3" fmla="*/ 0 w 1709646"/>
+                <a:gd name="connsiteY3" fmla="*/ 1299 h 4392409"/>
+                <a:gd name="connsiteX0" fmla="*/ 0 w 1709654"/>
+                <a:gd name="connsiteY0" fmla="*/ 0 h 4391110"/>
+                <a:gd name="connsiteX1" fmla="*/ 16281 w 1709654"/>
+                <a:gd name="connsiteY1" fmla="*/ 4331154 h 4391110"/>
+                <a:gd name="connsiteX2" fmla="*/ 1709539 w 1709654"/>
+                <a:gd name="connsiteY2" fmla="*/ 2100447 h 4391110"/>
+                <a:gd name="connsiteX3" fmla="*/ 0 w 1709654"/>
+                <a:gd name="connsiteY3" fmla="*/ 0 h 4391110"/>
+                <a:gd name="connsiteX0" fmla="*/ 0 w 1709654"/>
+                <a:gd name="connsiteY0" fmla="*/ 0 h 4331154"/>
+                <a:gd name="connsiteX1" fmla="*/ 16281 w 1709654"/>
+                <a:gd name="connsiteY1" fmla="*/ 4331154 h 4331154"/>
+                <a:gd name="connsiteX2" fmla="*/ 1709539 w 1709654"/>
+                <a:gd name="connsiteY2" fmla="*/ 2100447 h 4331154"/>
+                <a:gd name="connsiteX3" fmla="*/ 0 w 1709654"/>
+                <a:gd name="connsiteY3" fmla="*/ 0 h 4331154"/>
+                <a:gd name="connsiteX0" fmla="*/ 0 w 1709707"/>
+                <a:gd name="connsiteY0" fmla="*/ 0 h 4331154"/>
+                <a:gd name="connsiteX1" fmla="*/ 16281 w 1709707"/>
+                <a:gd name="connsiteY1" fmla="*/ 4331154 h 4331154"/>
+                <a:gd name="connsiteX2" fmla="*/ 1709539 w 1709707"/>
+                <a:gd name="connsiteY2" fmla="*/ 2100447 h 4331154"/>
+                <a:gd name="connsiteX3" fmla="*/ 0 w 1709707"/>
+                <a:gd name="connsiteY3" fmla="*/ 0 h 4331154"/>
+                <a:gd name="connsiteX0" fmla="*/ 0 w 1718649"/>
+                <a:gd name="connsiteY0" fmla="*/ 0 h 4331154"/>
+                <a:gd name="connsiteX1" fmla="*/ 16281 w 1718649"/>
+                <a:gd name="connsiteY1" fmla="*/ 4331154 h 4331154"/>
+                <a:gd name="connsiteX2" fmla="*/ 1709539 w 1718649"/>
+                <a:gd name="connsiteY2" fmla="*/ 2100447 h 4331154"/>
+                <a:gd name="connsiteX3" fmla="*/ 0 w 1718649"/>
+                <a:gd name="connsiteY3" fmla="*/ 0 h 4331154"/>
+                <a:gd name="connsiteX0" fmla="*/ 0 w 1709633"/>
+                <a:gd name="connsiteY0" fmla="*/ 0 h 4331154"/>
+                <a:gd name="connsiteX1" fmla="*/ 16281 w 1709633"/>
+                <a:gd name="connsiteY1" fmla="*/ 4331154 h 4331154"/>
+                <a:gd name="connsiteX2" fmla="*/ 1709539 w 1709633"/>
+                <a:gd name="connsiteY2" fmla="*/ 2100447 h 4331154"/>
+                <a:gd name="connsiteX3" fmla="*/ 0 w 1709633"/>
+                <a:gd name="connsiteY3" fmla="*/ 0 h 4331154"/>
+                <a:gd name="connsiteX0" fmla="*/ 0 w 1709825"/>
+                <a:gd name="connsiteY0" fmla="*/ 0 h 4331154"/>
+                <a:gd name="connsiteX1" fmla="*/ 16281 w 1709825"/>
+                <a:gd name="connsiteY1" fmla="*/ 4331154 h 4331154"/>
+                <a:gd name="connsiteX2" fmla="*/ 1709539 w 1709825"/>
+                <a:gd name="connsiteY2" fmla="*/ 2100447 h 4331154"/>
+                <a:gd name="connsiteX3" fmla="*/ 0 w 1709825"/>
+                <a:gd name="connsiteY3" fmla="*/ 0 h 4331154"/>
+                <a:gd name="connsiteX0" fmla="*/ 0 w 1709825"/>
+                <a:gd name="connsiteY0" fmla="*/ 0 h 4331154"/>
+                <a:gd name="connsiteX1" fmla="*/ 16281 w 1709825"/>
+                <a:gd name="connsiteY1" fmla="*/ 4331154 h 4331154"/>
+                <a:gd name="connsiteX2" fmla="*/ 1709539 w 1709825"/>
+                <a:gd name="connsiteY2" fmla="*/ 2214425 h 4331154"/>
+                <a:gd name="connsiteX3" fmla="*/ 0 w 1709825"/>
+                <a:gd name="connsiteY3" fmla="*/ 0 h 4331154"/>
+                <a:gd name="connsiteX0" fmla="*/ 0 w 1709707"/>
+                <a:gd name="connsiteY0" fmla="*/ 0 h 4331154"/>
+                <a:gd name="connsiteX1" fmla="*/ 16281 w 1709707"/>
+                <a:gd name="connsiteY1" fmla="*/ 4331154 h 4331154"/>
+                <a:gd name="connsiteX2" fmla="*/ 1709539 w 1709707"/>
+                <a:gd name="connsiteY2" fmla="*/ 2214425 h 4331154"/>
+                <a:gd name="connsiteX3" fmla="*/ 0 w 1709707"/>
+                <a:gd name="connsiteY3" fmla="*/ 0 h 4331154"/>
+                <a:gd name="connsiteX0" fmla="*/ 0 w 1709718"/>
+                <a:gd name="connsiteY0" fmla="*/ 0 h 4331154"/>
+                <a:gd name="connsiteX1" fmla="*/ 16281 w 1709718"/>
+                <a:gd name="connsiteY1" fmla="*/ 4331154 h 4331154"/>
+                <a:gd name="connsiteX2" fmla="*/ 1709539 w 1709718"/>
+                <a:gd name="connsiteY2" fmla="*/ 2214425 h 4331154"/>
+                <a:gd name="connsiteX3" fmla="*/ 0 w 1709718"/>
+                <a:gd name="connsiteY3" fmla="*/ 0 h 4331154"/>
+              </a:gdLst>
+              <a:ahLst/>
+              <a:cxnLst>
+                <a:cxn ang="0">
+                  <a:pos x="connsiteX0" y="connsiteY0"/>
+                </a:cxn>
+                <a:cxn ang="0">
+                  <a:pos x="connsiteX1" y="connsiteY1"/>
+                </a:cxn>
+                <a:cxn ang="0">
+                  <a:pos x="connsiteX2" y="connsiteY2"/>
+                </a:cxn>
+                <a:cxn ang="0">
+                  <a:pos x="connsiteX3" y="connsiteY3"/>
+                </a:cxn>
+              </a:cxnLst>
+              <a:rect l="l" t="t" r="r" b="b"/>
+              <a:pathLst>
+                <a:path w="1709718" h="4331154">
+                  <a:moveTo>
+                    <a:pt x="0" y="0"/>
+                  </a:moveTo>
+                  <a:lnTo>
+                    <a:pt x="16281" y="4331154"/>
+                  </a:lnTo>
+                  <a:cubicBezTo>
+                    <a:pt x="797785" y="4070633"/>
+                    <a:pt x="1695973" y="3416618"/>
+                    <a:pt x="1709539" y="2214425"/>
+                  </a:cubicBezTo>
+                  <a:cubicBezTo>
+                    <a:pt x="1723105" y="1012232"/>
+                    <a:pt x="966026" y="312083"/>
+                    <a:pt x="0" y="0"/>
+                  </a:cubicBezTo>
+                  <a:close/>
+                </a:path>
+              </a:pathLst>
+            </a:custGeom>
+            <a:solidFill>
+              <a:schemeClr val="tx1"/>
+            </a:solidFill>
+            <a:ln>
+              <a:noFill/>
+            </a:ln>
+            <a:effectLst/>
+          </p:spPr>
+          <p:style>
+            <a:lnRef idx="1">
+              <a:schemeClr val="accent1"/>
+            </a:lnRef>
+            <a:fillRef idx="3">
+              <a:schemeClr val="accent1"/>
+            </a:fillRef>
+            <a:effectRef idx="2">
+              <a:schemeClr val="accent1"/>
+            </a:effectRef>
+            <a:fontRef idx="minor">
+              <a:schemeClr val="lt1"/>
+            </a:fontRef>
+          </p:style>
+          <p:txBody>
+            <a:bodyPr rtlCol="0" anchor="ctr"/>
+            <a:lstStyle/>
+            <a:p>
+              <a:pPr algn="ctr"/>
+              <a:endParaRPr kumimoji="1" lang="ja-JP" altLang="en-US"/>
+            </a:p>
+          </p:txBody>
+        </p:sp>
+        <p:sp>
+          <p:nvSpPr>
+            <p:cNvPr id="25" name="フリーフォーム 13">
+              <a:extLst>
+                <a:ext uri="{FF2B5EF4-FFF2-40B4-BE49-F238E27FC236}">
+                  <a16:creationId xmlns:a16="http://schemas.microsoft.com/office/drawing/2014/main" id="{DE2A90FF-6D0B-5C41-A345-7DDEEA388EAE}"/>
+                </a:ext>
+              </a:extLst>
+            </p:cNvPr>
+            <p:cNvSpPr/>
+            <p:nvPr/>
+          </p:nvSpPr>
+          <p:spPr>
+            <a:xfrm>
+              <a:off x="1898980" y="2141162"/>
+              <a:ext cx="106533" cy="411231"/>
+            </a:xfrm>
+            <a:custGeom>
+              <a:avLst/>
+              <a:gdLst>
+                <a:gd name="connsiteX0" fmla="*/ 0 w 1709539"/>
+                <a:gd name="connsiteY0" fmla="*/ 0 h 4331154"/>
+                <a:gd name="connsiteX1" fmla="*/ 16281 w 1709539"/>
+                <a:gd name="connsiteY1" fmla="*/ 4331154 h 4331154"/>
+                <a:gd name="connsiteX2" fmla="*/ 1709539 w 1709539"/>
+                <a:gd name="connsiteY2" fmla="*/ 2100447 h 4331154"/>
+                <a:gd name="connsiteX3" fmla="*/ 0 w 1709539"/>
+                <a:gd name="connsiteY3" fmla="*/ 0 h 4331154"/>
+                <a:gd name="connsiteX0" fmla="*/ 0 w 1709542"/>
+                <a:gd name="connsiteY0" fmla="*/ 51206 h 4425804"/>
+                <a:gd name="connsiteX1" fmla="*/ 16281 w 1709542"/>
+                <a:gd name="connsiteY1" fmla="*/ 4382360 h 4425804"/>
+                <a:gd name="connsiteX2" fmla="*/ 1709539 w 1709542"/>
+                <a:gd name="connsiteY2" fmla="*/ 2151653 h 4425804"/>
+                <a:gd name="connsiteX3" fmla="*/ 0 w 1709542"/>
+                <a:gd name="connsiteY3" fmla="*/ 51206 h 4425804"/>
+                <a:gd name="connsiteX0" fmla="*/ 0 w 1709634"/>
+                <a:gd name="connsiteY0" fmla="*/ 71620 h 4462730"/>
+                <a:gd name="connsiteX1" fmla="*/ 16281 w 1709634"/>
+                <a:gd name="connsiteY1" fmla="*/ 4402774 h 4462730"/>
+                <a:gd name="connsiteX2" fmla="*/ 1709539 w 1709634"/>
+                <a:gd name="connsiteY2" fmla="*/ 2172067 h 4462730"/>
+                <a:gd name="connsiteX3" fmla="*/ 0 w 1709634"/>
+                <a:gd name="connsiteY3" fmla="*/ 71620 h 4462730"/>
+                <a:gd name="connsiteX0" fmla="*/ 0 w 1709646"/>
+                <a:gd name="connsiteY0" fmla="*/ 1299 h 4392409"/>
+                <a:gd name="connsiteX1" fmla="*/ 16281 w 1709646"/>
+                <a:gd name="connsiteY1" fmla="*/ 4332453 h 4392409"/>
+                <a:gd name="connsiteX2" fmla="*/ 1709539 w 1709646"/>
+                <a:gd name="connsiteY2" fmla="*/ 2101746 h 4392409"/>
+                <a:gd name="connsiteX3" fmla="*/ 0 w 1709646"/>
+                <a:gd name="connsiteY3" fmla="*/ 1299 h 4392409"/>
+                <a:gd name="connsiteX0" fmla="*/ 0 w 1709654"/>
+                <a:gd name="connsiteY0" fmla="*/ 0 h 4391110"/>
+                <a:gd name="connsiteX1" fmla="*/ 16281 w 1709654"/>
+                <a:gd name="connsiteY1" fmla="*/ 4331154 h 4391110"/>
+                <a:gd name="connsiteX2" fmla="*/ 1709539 w 1709654"/>
+                <a:gd name="connsiteY2" fmla="*/ 2100447 h 4391110"/>
+                <a:gd name="connsiteX3" fmla="*/ 0 w 1709654"/>
+                <a:gd name="connsiteY3" fmla="*/ 0 h 4391110"/>
+                <a:gd name="connsiteX0" fmla="*/ 0 w 1709654"/>
+                <a:gd name="connsiteY0" fmla="*/ 0 h 4331154"/>
+                <a:gd name="connsiteX1" fmla="*/ 16281 w 1709654"/>
+                <a:gd name="connsiteY1" fmla="*/ 4331154 h 4331154"/>
+                <a:gd name="connsiteX2" fmla="*/ 1709539 w 1709654"/>
+                <a:gd name="connsiteY2" fmla="*/ 2100447 h 4331154"/>
+                <a:gd name="connsiteX3" fmla="*/ 0 w 1709654"/>
+                <a:gd name="connsiteY3" fmla="*/ 0 h 4331154"/>
+                <a:gd name="connsiteX0" fmla="*/ 0 w 1709707"/>
+                <a:gd name="connsiteY0" fmla="*/ 0 h 4331154"/>
+                <a:gd name="connsiteX1" fmla="*/ 16281 w 1709707"/>
+                <a:gd name="connsiteY1" fmla="*/ 4331154 h 4331154"/>
+                <a:gd name="connsiteX2" fmla="*/ 1709539 w 1709707"/>
+                <a:gd name="connsiteY2" fmla="*/ 2100447 h 4331154"/>
+                <a:gd name="connsiteX3" fmla="*/ 0 w 1709707"/>
+                <a:gd name="connsiteY3" fmla="*/ 0 h 4331154"/>
+                <a:gd name="connsiteX0" fmla="*/ 0 w 1718649"/>
+                <a:gd name="connsiteY0" fmla="*/ 0 h 4331154"/>
+                <a:gd name="connsiteX1" fmla="*/ 16281 w 1718649"/>
+                <a:gd name="connsiteY1" fmla="*/ 4331154 h 4331154"/>
+                <a:gd name="connsiteX2" fmla="*/ 1709539 w 1718649"/>
+                <a:gd name="connsiteY2" fmla="*/ 2100447 h 4331154"/>
+                <a:gd name="connsiteX3" fmla="*/ 0 w 1718649"/>
+                <a:gd name="connsiteY3" fmla="*/ 0 h 4331154"/>
+                <a:gd name="connsiteX0" fmla="*/ 0 w 1709633"/>
+                <a:gd name="connsiteY0" fmla="*/ 0 h 4331154"/>
+                <a:gd name="connsiteX1" fmla="*/ 16281 w 1709633"/>
+                <a:gd name="connsiteY1" fmla="*/ 4331154 h 4331154"/>
+                <a:gd name="connsiteX2" fmla="*/ 1709539 w 1709633"/>
+                <a:gd name="connsiteY2" fmla="*/ 2100447 h 4331154"/>
+                <a:gd name="connsiteX3" fmla="*/ 0 w 1709633"/>
+                <a:gd name="connsiteY3" fmla="*/ 0 h 4331154"/>
+                <a:gd name="connsiteX0" fmla="*/ 0 w 1709825"/>
+                <a:gd name="connsiteY0" fmla="*/ 0 h 4331154"/>
+                <a:gd name="connsiteX1" fmla="*/ 16281 w 1709825"/>
+                <a:gd name="connsiteY1" fmla="*/ 4331154 h 4331154"/>
+                <a:gd name="connsiteX2" fmla="*/ 1709539 w 1709825"/>
+                <a:gd name="connsiteY2" fmla="*/ 2100447 h 4331154"/>
+                <a:gd name="connsiteX3" fmla="*/ 0 w 1709825"/>
+                <a:gd name="connsiteY3" fmla="*/ 0 h 4331154"/>
+                <a:gd name="connsiteX0" fmla="*/ 0 w 1709825"/>
+                <a:gd name="connsiteY0" fmla="*/ 0 h 4331154"/>
+                <a:gd name="connsiteX1" fmla="*/ 16281 w 1709825"/>
+                <a:gd name="connsiteY1" fmla="*/ 4331154 h 4331154"/>
+                <a:gd name="connsiteX2" fmla="*/ 1709539 w 1709825"/>
+                <a:gd name="connsiteY2" fmla="*/ 2214425 h 4331154"/>
+                <a:gd name="connsiteX3" fmla="*/ 0 w 1709825"/>
+                <a:gd name="connsiteY3" fmla="*/ 0 h 4331154"/>
+                <a:gd name="connsiteX0" fmla="*/ 0 w 1709707"/>
+                <a:gd name="connsiteY0" fmla="*/ 0 h 4331154"/>
+                <a:gd name="connsiteX1" fmla="*/ 16281 w 1709707"/>
+                <a:gd name="connsiteY1" fmla="*/ 4331154 h 4331154"/>
+                <a:gd name="connsiteX2" fmla="*/ 1709539 w 1709707"/>
+                <a:gd name="connsiteY2" fmla="*/ 2214425 h 4331154"/>
+                <a:gd name="connsiteX3" fmla="*/ 0 w 1709707"/>
+                <a:gd name="connsiteY3" fmla="*/ 0 h 4331154"/>
+                <a:gd name="connsiteX0" fmla="*/ 0 w 1709718"/>
+                <a:gd name="connsiteY0" fmla="*/ 0 h 4331154"/>
+                <a:gd name="connsiteX1" fmla="*/ 16281 w 1709718"/>
+                <a:gd name="connsiteY1" fmla="*/ 4331154 h 4331154"/>
+                <a:gd name="connsiteX2" fmla="*/ 1709539 w 1709718"/>
+                <a:gd name="connsiteY2" fmla="*/ 2214425 h 4331154"/>
+                <a:gd name="connsiteX3" fmla="*/ 0 w 1709718"/>
+                <a:gd name="connsiteY3" fmla="*/ 0 h 4331154"/>
+                <a:gd name="connsiteX0" fmla="*/ 0 w 1709718"/>
+                <a:gd name="connsiteY0" fmla="*/ 0 h 4331154"/>
+                <a:gd name="connsiteX1" fmla="*/ 16281 w 1709718"/>
+                <a:gd name="connsiteY1" fmla="*/ 4331154 h 4331154"/>
+                <a:gd name="connsiteX2" fmla="*/ 1709539 w 1709718"/>
+                <a:gd name="connsiteY2" fmla="*/ 2214425 h 4331154"/>
+                <a:gd name="connsiteX3" fmla="*/ 0 w 1709718"/>
+                <a:gd name="connsiteY3" fmla="*/ 0 h 4331154"/>
+                <a:gd name="connsiteX0" fmla="*/ 0 w 1710087"/>
+                <a:gd name="connsiteY0" fmla="*/ 0 h 4331154"/>
+                <a:gd name="connsiteX1" fmla="*/ 16281 w 1710087"/>
+                <a:gd name="connsiteY1" fmla="*/ 4331154 h 4331154"/>
+                <a:gd name="connsiteX2" fmla="*/ 1709539 w 1710087"/>
+                <a:gd name="connsiteY2" fmla="*/ 2214425 h 4331154"/>
+                <a:gd name="connsiteX3" fmla="*/ 0 w 1710087"/>
+                <a:gd name="connsiteY3" fmla="*/ 0 h 4331154"/>
+                <a:gd name="connsiteX0" fmla="*/ 0 w 1709586"/>
+                <a:gd name="connsiteY0" fmla="*/ 0 h 4331154"/>
+                <a:gd name="connsiteX1" fmla="*/ 16281 w 1709586"/>
+                <a:gd name="connsiteY1" fmla="*/ 4331154 h 4331154"/>
+                <a:gd name="connsiteX2" fmla="*/ 1709539 w 1709586"/>
+                <a:gd name="connsiteY2" fmla="*/ 2214425 h 4331154"/>
+                <a:gd name="connsiteX3" fmla="*/ 0 w 1709586"/>
+                <a:gd name="connsiteY3" fmla="*/ 0 h 4331154"/>
+                <a:gd name="connsiteX0" fmla="*/ 0 w 1709596"/>
+                <a:gd name="connsiteY0" fmla="*/ 0 h 4331154"/>
+                <a:gd name="connsiteX1" fmla="*/ 16281 w 1709596"/>
+                <a:gd name="connsiteY1" fmla="*/ 4331154 h 4331154"/>
+                <a:gd name="connsiteX2" fmla="*/ 1709539 w 1709596"/>
+                <a:gd name="connsiteY2" fmla="*/ 2214425 h 4331154"/>
+                <a:gd name="connsiteX3" fmla="*/ 0 w 1709596"/>
+                <a:gd name="connsiteY3" fmla="*/ 0 h 4331154"/>
+                <a:gd name="connsiteX0" fmla="*/ 0 w 1709608"/>
+                <a:gd name="connsiteY0" fmla="*/ 0 h 4331154"/>
+                <a:gd name="connsiteX1" fmla="*/ 16281 w 1709608"/>
+                <a:gd name="connsiteY1" fmla="*/ 4331154 h 4331154"/>
+                <a:gd name="connsiteX2" fmla="*/ 1709539 w 1709608"/>
+                <a:gd name="connsiteY2" fmla="*/ 2214425 h 4331154"/>
+                <a:gd name="connsiteX3" fmla="*/ 0 w 1709608"/>
+                <a:gd name="connsiteY3" fmla="*/ 0 h 4331154"/>
+              </a:gdLst>
+              <a:ahLst/>
+              <a:cxnLst>
+                <a:cxn ang="0">
+                  <a:pos x="connsiteX0" y="connsiteY0"/>
+                </a:cxn>
+                <a:cxn ang="0">
+                  <a:pos x="connsiteX1" y="connsiteY1"/>
+                </a:cxn>
+                <a:cxn ang="0">
+                  <a:pos x="connsiteX2" y="connsiteY2"/>
+                </a:cxn>
+                <a:cxn ang="0">
+                  <a:pos x="connsiteX3" y="connsiteY3"/>
+                </a:cxn>
+              </a:cxnLst>
+              <a:rect l="l" t="t" r="r" b="b"/>
+              <a:pathLst>
+                <a:path w="1709608" h="4331154">
+                  <a:moveTo>
+                    <a:pt x="0" y="0"/>
+                  </a:moveTo>
+                  <a:lnTo>
+                    <a:pt x="16281" y="4331154"/>
+                  </a:lnTo>
+                  <a:cubicBezTo>
+                    <a:pt x="1244088" y="3697809"/>
+                    <a:pt x="1716258" y="2897329"/>
+                    <a:pt x="1709539" y="2214425"/>
+                  </a:cubicBezTo>
+                  <a:cubicBezTo>
+                    <a:pt x="1702820" y="1531521"/>
+                    <a:pt x="1493473" y="711538"/>
+                    <a:pt x="0" y="0"/>
+                  </a:cubicBezTo>
+                  <a:close/>
+                </a:path>
+              </a:pathLst>
+            </a:custGeom>
+            <a:solidFill>
+              <a:schemeClr val="bg1"/>
+            </a:solidFill>
+            <a:ln>
+              <a:noFill/>
+            </a:ln>
+            <a:effectLst/>
+          </p:spPr>
+          <p:style>
+            <a:lnRef idx="1">
+              <a:schemeClr val="accent1"/>
+            </a:lnRef>
+            <a:fillRef idx="3">
+              <a:schemeClr val="accent1"/>
+            </a:fillRef>
+            <a:effectRef idx="2">
+              <a:schemeClr val="accent1"/>
+            </a:effectRef>
+            <a:fontRef idx="minor">
+              <a:schemeClr val="lt1"/>
+            </a:fontRef>
+          </p:style>
+          <p:txBody>
+            <a:bodyPr rtlCol="0" anchor="ctr"/>
+            <a:lstStyle/>
+            <a:p>
+              <a:pPr algn="ctr"/>
+              <a:endParaRPr kumimoji="1" lang="ja-JP" altLang="en-US" dirty="0"/>
+            </a:p>
+          </p:txBody>
+        </p:sp>
+      </p:grpSp>
+      <p:grpSp>
+        <p:nvGrpSpPr>
+          <p:cNvPr id="26" name="Group 25">
+            <a:extLst>
+              <a:ext uri="{FF2B5EF4-FFF2-40B4-BE49-F238E27FC236}">
+                <a16:creationId xmlns:a16="http://schemas.microsoft.com/office/drawing/2014/main" id="{EF1D88EB-04A5-6948-AE80-0414B7C34C70}"/>
+              </a:ext>
+            </a:extLst>
+          </p:cNvPr>
+          <p:cNvGrpSpPr/>
+          <p:nvPr/>
+        </p:nvGrpSpPr>
+        <p:grpSpPr>
+          <a:xfrm>
+            <a:off x="795415" y="570838"/>
+            <a:ext cx="299691" cy="646979"/>
+            <a:chOff x="1449323" y="2024189"/>
+            <a:chExt cx="299691" cy="646979"/>
+          </a:xfrm>
+        </p:grpSpPr>
+        <p:pic>
+          <p:nvPicPr>
+            <p:cNvPr id="27" name="図 1" descr="20150116-logo_pptx.png">
+              <a:extLst>
+                <a:ext uri="{FF2B5EF4-FFF2-40B4-BE49-F238E27FC236}">
+                  <a16:creationId xmlns:a16="http://schemas.microsoft.com/office/drawing/2014/main" id="{6F804FDA-7474-FB4F-BD84-C90CC80BB6C7}"/>
+                </a:ext>
+              </a:extLst>
+            </p:cNvPr>
+            <p:cNvPicPr>
+              <a:picLocks noChangeAspect="1"/>
+            </p:cNvPicPr>
+            <p:nvPr/>
+          </p:nvPicPr>
+          <p:blipFill>
+            <a:blip r:embed="rId4">
+              <a:biLevel thresh="50000"/>
+              <a:extLst>
+                <a:ext uri="{BEBA8EAE-BF5A-486C-A8C5-ECC9F3942E4B}">
+                  <a14:imgProps xmlns:a14="http://schemas.microsoft.com/office/drawing/2010/main">
+                    <a14:imgLayer>
+                      <a14:imgEffect>
+                        <a14:colorTemperature colorTemp="1500"/>
+                      </a14:imgEffect>
+                      <a14:imgEffect>
+                        <a14:saturation sat="33000"/>
+                      </a14:imgEffect>
+                    </a14:imgLayer>
+                  </a14:imgProps>
+                </a:ext>
+                <a:ext uri="{28A0092B-C50C-407E-A947-70E740481C1C}">
+                  <a14:useLocalDpi xmlns:a14="http://schemas.microsoft.com/office/drawing/2010/main" val="0"/>
+                </a:ext>
+              </a:extLst>
+            </a:blip>
+            <a:stretch>
+              <a:fillRect/>
+            </a:stretch>
+          </p:blipFill>
+          <p:spPr>
+            <a:xfrm>
+              <a:off x="1449323" y="2024189"/>
+              <a:ext cx="299691" cy="646979"/>
+            </a:xfrm>
+            <a:prstGeom prst="rect">
+              <a:avLst/>
+            </a:prstGeom>
+          </p:spPr>
+        </p:pic>
+        <p:sp>
+          <p:nvSpPr>
+            <p:cNvPr id="28" name="円/楕円 9">
+              <a:extLst>
+                <a:ext uri="{FF2B5EF4-FFF2-40B4-BE49-F238E27FC236}">
+                  <a16:creationId xmlns:a16="http://schemas.microsoft.com/office/drawing/2014/main" id="{2760CB0B-D2D8-2644-94AD-73592E305F33}"/>
+                </a:ext>
+              </a:extLst>
+            </p:cNvPr>
+            <p:cNvSpPr/>
+            <p:nvPr/>
+          </p:nvSpPr>
+          <p:spPr>
+            <a:xfrm>
+              <a:off x="1466867" y="2396446"/>
+              <a:ext cx="173200" cy="173200"/>
+            </a:xfrm>
+            <a:prstGeom prst="ellipse">
+              <a:avLst/>
+            </a:prstGeom>
+            <a:solidFill>
+              <a:srgbClr val="FB0006"/>
+            </a:solidFill>
+            <a:ln>
+              <a:noFill/>
+            </a:ln>
+            <a:effectLst/>
+          </p:spPr>
+          <p:style>
+            <a:lnRef idx="1">
+              <a:schemeClr val="accent1"/>
+            </a:lnRef>
+            <a:fillRef idx="3">
+              <a:schemeClr val="accent1"/>
+            </a:fillRef>
+            <a:effectRef idx="2">
+              <a:schemeClr val="accent1"/>
+            </a:effectRef>
+            <a:fontRef idx="minor">
+              <a:schemeClr val="lt1"/>
+            </a:fontRef>
+          </p:style>
+          <p:txBody>
+            <a:bodyPr rot="0" spcFirstLastPara="0" vertOverflow="overflow" horzOverflow="overflow" vert="horz" wrap="square" lIns="91440" tIns="45720" rIns="91440" bIns="45720" numCol="1" spcCol="0" rtlCol="0" fromWordArt="0" anchor="ctr" anchorCtr="0" forceAA="0" compatLnSpc="1">
+              <a:prstTxWarp prst="textNoShape">
+                <a:avLst/>
+              </a:prstTxWarp>
+              <a:noAutofit/>
+            </a:bodyPr>
+            <a:lstStyle/>
+            <a:p>
+              <a:pPr algn="ctr"/>
+              <a:endParaRPr kumimoji="1" lang="ja-JP" altLang="en-US"/>
+            </a:p>
+          </p:txBody>
+        </p:sp>
+      </p:grpSp>
     </p:spTree>
     <p:extLst>
       <p:ext uri="{BB962C8B-B14F-4D97-AF65-F5344CB8AC3E}">
@@ -9951,7 +10738,7 @@
               </a:lnSpc>
             </a:pPr>
             <a:r>
-              <a:rPr kumimoji="1" lang="en-US" altLang="ja-JP" sz="48000" b="1" dirty="0" smtClean="0">
+              <a:rPr kumimoji="1" lang="en-US" altLang="ja-JP" sz="48000" b="1" dirty="0">
                 <a:solidFill>
                   <a:schemeClr val="bg1">
                     <a:lumMod val="65000"/>
@@ -12100,7 +12887,7 @@
               </a:lnSpc>
             </a:pPr>
             <a:r>
-              <a:rPr lang="en-US" altLang="ja-JP" sz="48000" b="1" dirty="0" smtClean="0">
+              <a:rPr lang="en-US" altLang="ja-JP" sz="48000" b="1" dirty="0">
                 <a:latin typeface="+mn-ea"/>
                 <a:cs typeface="Abadi MT Condensed Light"/>
               </a:rPr>
@@ -12460,7 +13247,7 @@
               </a:lnSpc>
             </a:pPr>
             <a:r>
-              <a:rPr lang="en-US" altLang="ja-JP" sz="48000" b="1" dirty="0" smtClean="0">
+              <a:rPr lang="en-US" altLang="ja-JP" sz="48000" b="1" dirty="0">
                 <a:latin typeface="+mn-ea"/>
                 <a:cs typeface="Abadi MT Condensed Light"/>
               </a:rPr>
